--- a/Unix-Introduction.pptx
+++ b/Unix-Introduction.pptx
@@ -5,18 +5,19 @@
     <p:sldMasterId id="2147483660" r:id="rId1"/>
     <p:sldMasterId id="2147483674" r:id="rId2"/>
     <p:sldMasterId id="2147483687" r:id="rId3"/>
+    <p:sldMasterId id="2147483700" r:id="rId4"/>
   </p:sldMasterIdLst>
   <p:sldIdLst>
-    <p:sldId id="256" r:id="rId4"/>
-    <p:sldId id="260" r:id="rId5"/>
-    <p:sldId id="261" r:id="rId6"/>
-    <p:sldId id="263" r:id="rId7"/>
-    <p:sldId id="257" r:id="rId8"/>
-    <p:sldId id="258" r:id="rId9"/>
-    <p:sldId id="259" r:id="rId10"/>
-    <p:sldId id="262" r:id="rId11"/>
-    <p:sldId id="264" r:id="rId12"/>
-    <p:sldId id="265" r:id="rId13"/>
+    <p:sldId id="256" r:id="rId5"/>
+    <p:sldId id="260" r:id="rId6"/>
+    <p:sldId id="261" r:id="rId7"/>
+    <p:sldId id="263" r:id="rId8"/>
+    <p:sldId id="257" r:id="rId9"/>
+    <p:sldId id="258" r:id="rId10"/>
+    <p:sldId id="259" r:id="rId11"/>
+    <p:sldId id="262" r:id="rId12"/>
+    <p:sldId id="264" r:id="rId13"/>
+    <p:sldId id="265" r:id="rId14"/>
   </p:sldIdLst>
   <p:sldSz cx="12192000" cy="6858000"/>
   <p:notesSz cx="6858000" cy="9144000"/>
@@ -115,6 +116,11 @@
       </a:defRPr>
     </a:lvl9pPr>
   </p:defaultTextStyle>
+  <p:extLst>
+    <p:ext uri="{EFAFB233-063F-42B5-8137-9DF3F51BA10A}">
+      <p15:sldGuideLst xmlns:p15="http://schemas.microsoft.com/office/powerpoint/2012/main"/>
+    </p:ext>
+  </p:extLst>
 </p:presentation>
 </file>
 
@@ -921,7 +927,7 @@
           <a:p>
             <a:fld id="{761E399C-72C5-40A2-B582-4535AE3A88B7}" type="datetimeFigureOut">
               <a:rPr lang="en-US" smtClean="0"/>
-              <a:t>9/8/2014</a:t>
+              <a:t>9/9/2014</a:t>
             </a:fld>
             <a:endParaRPr lang="en-US"/>
           </a:p>
@@ -6132,6 +6138,372 @@
 </p:sldLayout>
 </file>
 
+<file path=ppt/slideLayouts/slideLayout38.xml><?xml version="1.0" encoding="utf-8"?>
+<p:sldLayout xmlns:a="http://schemas.openxmlformats.org/drawingml/2006/main" xmlns:r="http://schemas.openxmlformats.org/officeDocument/2006/relationships" xmlns:p="http://schemas.openxmlformats.org/presentationml/2006/main" type="title" preserve="1">
+  <p:cSld name="Title Slide">
+    <p:spTree>
+      <p:nvGrpSpPr>
+        <p:cNvPr id="1" name=""/>
+        <p:cNvGrpSpPr/>
+        <p:nvPr/>
+      </p:nvGrpSpPr>
+      <p:grpSpPr>
+        <a:xfrm>
+          <a:off x="0" y="0"/>
+          <a:ext cx="0" cy="0"/>
+          <a:chOff x="0" y="0"/>
+          <a:chExt cx="0" cy="0"/>
+        </a:xfrm>
+      </p:grpSpPr>
+      <p:sp>
+        <p:nvSpPr>
+          <p:cNvPr id="2" name="Title 1"/>
+          <p:cNvSpPr>
+            <a:spLocks noGrp="1"/>
+          </p:cNvSpPr>
+          <p:nvPr>
+            <p:ph type="ctrTitle"/>
+          </p:nvPr>
+        </p:nvSpPr>
+        <p:spPr>
+          <a:xfrm>
+            <a:off x="1524000" y="1122363"/>
+            <a:ext cx="9144000" cy="2387600"/>
+          </a:xfrm>
+        </p:spPr>
+        <p:txBody>
+          <a:bodyPr anchor="b"/>
+          <a:lstStyle>
+            <a:lvl1pPr algn="ctr">
+              <a:defRPr sz="6000"/>
+            </a:lvl1pPr>
+          </a:lstStyle>
+          <a:p>
+            <a:r>
+              <a:rPr lang="en-US" smtClean="0"/>
+              <a:t>Click to edit Master title style</a:t>
+            </a:r>
+            <a:endParaRPr lang="en-US"/>
+          </a:p>
+        </p:txBody>
+      </p:sp>
+      <p:sp>
+        <p:nvSpPr>
+          <p:cNvPr id="3" name="Subtitle 2"/>
+          <p:cNvSpPr>
+            <a:spLocks noGrp="1"/>
+          </p:cNvSpPr>
+          <p:nvPr>
+            <p:ph type="subTitle" idx="1"/>
+          </p:nvPr>
+        </p:nvSpPr>
+        <p:spPr>
+          <a:xfrm>
+            <a:off x="1524000" y="3602038"/>
+            <a:ext cx="9144000" cy="1655762"/>
+          </a:xfrm>
+        </p:spPr>
+        <p:txBody>
+          <a:bodyPr/>
+          <a:lstStyle>
+            <a:lvl1pPr marL="0" indent="0" algn="ctr">
+              <a:buNone/>
+              <a:defRPr sz="2400"/>
+            </a:lvl1pPr>
+            <a:lvl2pPr marL="457200" indent="0" algn="ctr">
+              <a:buNone/>
+              <a:defRPr sz="2000"/>
+            </a:lvl2pPr>
+            <a:lvl3pPr marL="914400" indent="0" algn="ctr">
+              <a:buNone/>
+              <a:defRPr sz="1800"/>
+            </a:lvl3pPr>
+            <a:lvl4pPr marL="1371600" indent="0" algn="ctr">
+              <a:buNone/>
+              <a:defRPr sz="1600"/>
+            </a:lvl4pPr>
+            <a:lvl5pPr marL="1828800" indent="0" algn="ctr">
+              <a:buNone/>
+              <a:defRPr sz="1600"/>
+            </a:lvl5pPr>
+            <a:lvl6pPr marL="2286000" indent="0" algn="ctr">
+              <a:buNone/>
+              <a:defRPr sz="1600"/>
+            </a:lvl6pPr>
+            <a:lvl7pPr marL="2743200" indent="0" algn="ctr">
+              <a:buNone/>
+              <a:defRPr sz="1600"/>
+            </a:lvl7pPr>
+            <a:lvl8pPr marL="3200400" indent="0" algn="ctr">
+              <a:buNone/>
+              <a:defRPr sz="1600"/>
+            </a:lvl8pPr>
+            <a:lvl9pPr marL="3657600" indent="0" algn="ctr">
+              <a:buNone/>
+              <a:defRPr sz="1600"/>
+            </a:lvl9pPr>
+          </a:lstStyle>
+          <a:p>
+            <a:r>
+              <a:rPr lang="en-US" smtClean="0"/>
+              <a:t>Click to edit Master subtitle style</a:t>
+            </a:r>
+            <a:endParaRPr lang="en-US"/>
+          </a:p>
+        </p:txBody>
+      </p:sp>
+      <p:sp>
+        <p:nvSpPr>
+          <p:cNvPr id="4" name="Date Placeholder 3"/>
+          <p:cNvSpPr>
+            <a:spLocks noGrp="1"/>
+          </p:cNvSpPr>
+          <p:nvPr>
+            <p:ph type="dt" sz="half" idx="10"/>
+          </p:nvPr>
+        </p:nvSpPr>
+        <p:spPr/>
+        <p:txBody>
+          <a:bodyPr/>
+          <a:lstStyle/>
+          <a:p>
+            <a:fld id="{6F84135C-074C-4223-A392-62660EF2A88F}" type="datetime1">
+              <a:rPr lang="en-US" smtClean="0"/>
+              <a:t>9/9/2014</a:t>
+            </a:fld>
+            <a:endParaRPr lang="en-US"/>
+          </a:p>
+        </p:txBody>
+      </p:sp>
+      <p:sp>
+        <p:nvSpPr>
+          <p:cNvPr id="5" name="Footer Placeholder 4"/>
+          <p:cNvSpPr>
+            <a:spLocks noGrp="1"/>
+          </p:cNvSpPr>
+          <p:nvPr>
+            <p:ph type="ftr" sz="quarter" idx="11"/>
+          </p:nvPr>
+        </p:nvSpPr>
+        <p:spPr/>
+        <p:txBody>
+          <a:bodyPr/>
+          <a:lstStyle/>
+          <a:p>
+            <a:r>
+              <a:rPr lang="en-US" smtClean="0"/>
+              <a:t>https://github.com/pgirgaonkar/ThreadExample</a:t>
+            </a:r>
+            <a:endParaRPr lang="en-US"/>
+          </a:p>
+        </p:txBody>
+      </p:sp>
+      <p:sp>
+        <p:nvSpPr>
+          <p:cNvPr id="6" name="Slide Number Placeholder 5"/>
+          <p:cNvSpPr>
+            <a:spLocks noGrp="1"/>
+          </p:cNvSpPr>
+          <p:nvPr>
+            <p:ph type="sldNum" sz="quarter" idx="12"/>
+          </p:nvPr>
+        </p:nvSpPr>
+        <p:spPr/>
+        <p:txBody>
+          <a:bodyPr/>
+          <a:lstStyle/>
+          <a:p>
+            <a:fld id="{A14ADDB3-72D7-4AE1-8A2D-4BD868B2D5A7}" type="slidenum">
+              <a:rPr lang="en-US" smtClean="0"/>
+              <a:t>‹#›</a:t>
+            </a:fld>
+            <a:endParaRPr lang="en-US"/>
+          </a:p>
+        </p:txBody>
+      </p:sp>
+    </p:spTree>
+    <p:extLst>
+      <p:ext uri="{BB962C8B-B14F-4D97-AF65-F5344CB8AC3E}">
+        <p14:creationId xmlns:p14="http://schemas.microsoft.com/office/powerpoint/2010/main" val="1818854470"/>
+      </p:ext>
+    </p:extLst>
+  </p:cSld>
+  <p:clrMapOvr>
+    <a:masterClrMapping/>
+  </p:clrMapOvr>
+</p:sldLayout>
+</file>
+
+<file path=ppt/slideLayouts/slideLayout39.xml><?xml version="1.0" encoding="utf-8"?>
+<p:sldLayout xmlns:a="http://schemas.openxmlformats.org/drawingml/2006/main" xmlns:r="http://schemas.openxmlformats.org/officeDocument/2006/relationships" xmlns:p="http://schemas.openxmlformats.org/presentationml/2006/main" type="obj" preserve="1">
+  <p:cSld name="Title and Content">
+    <p:spTree>
+      <p:nvGrpSpPr>
+        <p:cNvPr id="1" name=""/>
+        <p:cNvGrpSpPr/>
+        <p:nvPr/>
+      </p:nvGrpSpPr>
+      <p:grpSpPr>
+        <a:xfrm>
+          <a:off x="0" y="0"/>
+          <a:ext cx="0" cy="0"/>
+          <a:chOff x="0" y="0"/>
+          <a:chExt cx="0" cy="0"/>
+        </a:xfrm>
+      </p:grpSpPr>
+      <p:sp>
+        <p:nvSpPr>
+          <p:cNvPr id="2" name="Title 1"/>
+          <p:cNvSpPr>
+            <a:spLocks noGrp="1"/>
+          </p:cNvSpPr>
+          <p:nvPr>
+            <p:ph type="title"/>
+          </p:nvPr>
+        </p:nvSpPr>
+        <p:spPr/>
+        <p:txBody>
+          <a:bodyPr/>
+          <a:lstStyle/>
+          <a:p>
+            <a:r>
+              <a:rPr lang="en-US" smtClean="0"/>
+              <a:t>Click to edit Master title style</a:t>
+            </a:r>
+            <a:endParaRPr lang="en-US"/>
+          </a:p>
+        </p:txBody>
+      </p:sp>
+      <p:sp>
+        <p:nvSpPr>
+          <p:cNvPr id="3" name="Content Placeholder 2"/>
+          <p:cNvSpPr>
+            <a:spLocks noGrp="1"/>
+          </p:cNvSpPr>
+          <p:nvPr>
+            <p:ph idx="1"/>
+          </p:nvPr>
+        </p:nvSpPr>
+        <p:spPr/>
+        <p:txBody>
+          <a:bodyPr/>
+          <a:lstStyle/>
+          <a:p>
+            <a:pPr lvl="0"/>
+            <a:r>
+              <a:rPr lang="en-US" smtClean="0"/>
+              <a:t>Click to edit Master text styles</a:t>
+            </a:r>
+          </a:p>
+          <a:p>
+            <a:pPr lvl="1"/>
+            <a:r>
+              <a:rPr lang="en-US" smtClean="0"/>
+              <a:t>Second level</a:t>
+            </a:r>
+          </a:p>
+          <a:p>
+            <a:pPr lvl="2"/>
+            <a:r>
+              <a:rPr lang="en-US" smtClean="0"/>
+              <a:t>Third level</a:t>
+            </a:r>
+          </a:p>
+          <a:p>
+            <a:pPr lvl="3"/>
+            <a:r>
+              <a:rPr lang="en-US" smtClean="0"/>
+              <a:t>Fourth level</a:t>
+            </a:r>
+          </a:p>
+          <a:p>
+            <a:pPr lvl="4"/>
+            <a:r>
+              <a:rPr lang="en-US" smtClean="0"/>
+              <a:t>Fifth level</a:t>
+            </a:r>
+            <a:endParaRPr lang="en-US"/>
+          </a:p>
+        </p:txBody>
+      </p:sp>
+      <p:sp>
+        <p:nvSpPr>
+          <p:cNvPr id="4" name="Date Placeholder 3"/>
+          <p:cNvSpPr>
+            <a:spLocks noGrp="1"/>
+          </p:cNvSpPr>
+          <p:nvPr>
+            <p:ph type="dt" sz="half" idx="10"/>
+          </p:nvPr>
+        </p:nvSpPr>
+        <p:spPr/>
+        <p:txBody>
+          <a:bodyPr/>
+          <a:lstStyle/>
+          <a:p>
+            <a:fld id="{97287D5E-BF0D-41E7-96D3-CECE482D7B38}" type="datetime1">
+              <a:rPr lang="en-US" smtClean="0"/>
+              <a:t>9/9/2014</a:t>
+            </a:fld>
+            <a:endParaRPr lang="en-US"/>
+          </a:p>
+        </p:txBody>
+      </p:sp>
+      <p:sp>
+        <p:nvSpPr>
+          <p:cNvPr id="5" name="Footer Placeholder 4"/>
+          <p:cNvSpPr>
+            <a:spLocks noGrp="1"/>
+          </p:cNvSpPr>
+          <p:nvPr>
+            <p:ph type="ftr" sz="quarter" idx="11"/>
+          </p:nvPr>
+        </p:nvSpPr>
+        <p:spPr/>
+        <p:txBody>
+          <a:bodyPr/>
+          <a:lstStyle/>
+          <a:p>
+            <a:endParaRPr lang="en-US"/>
+          </a:p>
+        </p:txBody>
+      </p:sp>
+      <p:sp>
+        <p:nvSpPr>
+          <p:cNvPr id="6" name="Slide Number Placeholder 5"/>
+          <p:cNvSpPr>
+            <a:spLocks noGrp="1"/>
+          </p:cNvSpPr>
+          <p:nvPr>
+            <p:ph type="sldNum" sz="quarter" idx="12"/>
+          </p:nvPr>
+        </p:nvSpPr>
+        <p:spPr/>
+        <p:txBody>
+          <a:bodyPr/>
+          <a:lstStyle/>
+          <a:p>
+            <a:fld id="{17752E90-5F7F-4C3E-B97A-4706E54241CE}" type="slidenum">
+              <a:rPr lang="en-US" smtClean="0"/>
+              <a:t>‹#›</a:t>
+            </a:fld>
+            <a:endParaRPr lang="en-US"/>
+          </a:p>
+        </p:txBody>
+      </p:sp>
+    </p:spTree>
+    <p:extLst>
+      <p:ext uri="{BB962C8B-B14F-4D97-AF65-F5344CB8AC3E}">
+        <p14:creationId xmlns:p14="http://schemas.microsoft.com/office/powerpoint/2010/main" val="3222636848"/>
+      </p:ext>
+    </p:extLst>
+  </p:cSld>
+  <p:clrMapOvr>
+    <a:masterClrMapping/>
+  </p:clrMapOvr>
+</p:sldLayout>
+</file>
+
 <file path=ppt/slideLayouts/slideLayout4.xml><?xml version="1.0" encoding="utf-8"?>
 <p:sldLayout xmlns:a="http://schemas.openxmlformats.org/drawingml/2006/main" xmlns:r="http://schemas.openxmlformats.org/officeDocument/2006/relationships" xmlns:p="http://schemas.openxmlformats.org/presentationml/2006/main" preserve="1">
   <p:cSld name="2 Col Bullets">
@@ -6451,6 +6823,1948 @@
     <p:extLst>
       <p:ext uri="{BB962C8B-B14F-4D97-AF65-F5344CB8AC3E}">
         <p14:creationId xmlns:p14="http://schemas.microsoft.com/office/powerpoint/2010/main" val="2342070690"/>
+      </p:ext>
+    </p:extLst>
+  </p:cSld>
+  <p:clrMapOvr>
+    <a:masterClrMapping/>
+  </p:clrMapOvr>
+</p:sldLayout>
+</file>
+
+<file path=ppt/slideLayouts/slideLayout40.xml><?xml version="1.0" encoding="utf-8"?>
+<p:sldLayout xmlns:a="http://schemas.openxmlformats.org/drawingml/2006/main" xmlns:r="http://schemas.openxmlformats.org/officeDocument/2006/relationships" xmlns:p="http://schemas.openxmlformats.org/presentationml/2006/main" type="secHead" preserve="1">
+  <p:cSld name="Section Header">
+    <p:spTree>
+      <p:nvGrpSpPr>
+        <p:cNvPr id="1" name=""/>
+        <p:cNvGrpSpPr/>
+        <p:nvPr/>
+      </p:nvGrpSpPr>
+      <p:grpSpPr>
+        <a:xfrm>
+          <a:off x="0" y="0"/>
+          <a:ext cx="0" cy="0"/>
+          <a:chOff x="0" y="0"/>
+          <a:chExt cx="0" cy="0"/>
+        </a:xfrm>
+      </p:grpSpPr>
+      <p:sp>
+        <p:nvSpPr>
+          <p:cNvPr id="2" name="Title 1"/>
+          <p:cNvSpPr>
+            <a:spLocks noGrp="1"/>
+          </p:cNvSpPr>
+          <p:nvPr>
+            <p:ph type="title"/>
+          </p:nvPr>
+        </p:nvSpPr>
+        <p:spPr>
+          <a:xfrm>
+            <a:off x="831850" y="1709738"/>
+            <a:ext cx="10515600" cy="2852737"/>
+          </a:xfrm>
+        </p:spPr>
+        <p:txBody>
+          <a:bodyPr anchor="b"/>
+          <a:lstStyle>
+            <a:lvl1pPr>
+              <a:defRPr sz="6000"/>
+            </a:lvl1pPr>
+          </a:lstStyle>
+          <a:p>
+            <a:r>
+              <a:rPr lang="en-US" smtClean="0"/>
+              <a:t>Click to edit Master title style</a:t>
+            </a:r>
+            <a:endParaRPr lang="en-US"/>
+          </a:p>
+        </p:txBody>
+      </p:sp>
+      <p:sp>
+        <p:nvSpPr>
+          <p:cNvPr id="3" name="Text Placeholder 2"/>
+          <p:cNvSpPr>
+            <a:spLocks noGrp="1"/>
+          </p:cNvSpPr>
+          <p:nvPr>
+            <p:ph type="body" idx="1"/>
+          </p:nvPr>
+        </p:nvSpPr>
+        <p:spPr>
+          <a:xfrm>
+            <a:off x="831850" y="4589463"/>
+            <a:ext cx="10515600" cy="1500187"/>
+          </a:xfrm>
+        </p:spPr>
+        <p:txBody>
+          <a:bodyPr/>
+          <a:lstStyle>
+            <a:lvl1pPr marL="0" indent="0">
+              <a:buNone/>
+              <a:defRPr sz="2400">
+                <a:solidFill>
+                  <a:schemeClr val="tx1">
+                    <a:tint val="75000"/>
+                  </a:schemeClr>
+                </a:solidFill>
+              </a:defRPr>
+            </a:lvl1pPr>
+            <a:lvl2pPr marL="457200" indent="0">
+              <a:buNone/>
+              <a:defRPr sz="2000">
+                <a:solidFill>
+                  <a:schemeClr val="tx1">
+                    <a:tint val="75000"/>
+                  </a:schemeClr>
+                </a:solidFill>
+              </a:defRPr>
+            </a:lvl2pPr>
+            <a:lvl3pPr marL="914400" indent="0">
+              <a:buNone/>
+              <a:defRPr sz="1800">
+                <a:solidFill>
+                  <a:schemeClr val="tx1">
+                    <a:tint val="75000"/>
+                  </a:schemeClr>
+                </a:solidFill>
+              </a:defRPr>
+            </a:lvl3pPr>
+            <a:lvl4pPr marL="1371600" indent="0">
+              <a:buNone/>
+              <a:defRPr sz="1600">
+                <a:solidFill>
+                  <a:schemeClr val="tx1">
+                    <a:tint val="75000"/>
+                  </a:schemeClr>
+                </a:solidFill>
+              </a:defRPr>
+            </a:lvl4pPr>
+            <a:lvl5pPr marL="1828800" indent="0">
+              <a:buNone/>
+              <a:defRPr sz="1600">
+                <a:solidFill>
+                  <a:schemeClr val="tx1">
+                    <a:tint val="75000"/>
+                  </a:schemeClr>
+                </a:solidFill>
+              </a:defRPr>
+            </a:lvl5pPr>
+            <a:lvl6pPr marL="2286000" indent="0">
+              <a:buNone/>
+              <a:defRPr sz="1600">
+                <a:solidFill>
+                  <a:schemeClr val="tx1">
+                    <a:tint val="75000"/>
+                  </a:schemeClr>
+                </a:solidFill>
+              </a:defRPr>
+            </a:lvl6pPr>
+            <a:lvl7pPr marL="2743200" indent="0">
+              <a:buNone/>
+              <a:defRPr sz="1600">
+                <a:solidFill>
+                  <a:schemeClr val="tx1">
+                    <a:tint val="75000"/>
+                  </a:schemeClr>
+                </a:solidFill>
+              </a:defRPr>
+            </a:lvl7pPr>
+            <a:lvl8pPr marL="3200400" indent="0">
+              <a:buNone/>
+              <a:defRPr sz="1600">
+                <a:solidFill>
+                  <a:schemeClr val="tx1">
+                    <a:tint val="75000"/>
+                  </a:schemeClr>
+                </a:solidFill>
+              </a:defRPr>
+            </a:lvl8pPr>
+            <a:lvl9pPr marL="3657600" indent="0">
+              <a:buNone/>
+              <a:defRPr sz="1600">
+                <a:solidFill>
+                  <a:schemeClr val="tx1">
+                    <a:tint val="75000"/>
+                  </a:schemeClr>
+                </a:solidFill>
+              </a:defRPr>
+            </a:lvl9pPr>
+          </a:lstStyle>
+          <a:p>
+            <a:pPr lvl="0"/>
+            <a:r>
+              <a:rPr lang="en-US" smtClean="0"/>
+              <a:t>Click to edit Master text styles</a:t>
+            </a:r>
+          </a:p>
+        </p:txBody>
+      </p:sp>
+      <p:sp>
+        <p:nvSpPr>
+          <p:cNvPr id="4" name="Date Placeholder 3"/>
+          <p:cNvSpPr>
+            <a:spLocks noGrp="1"/>
+          </p:cNvSpPr>
+          <p:nvPr>
+            <p:ph type="dt" sz="half" idx="10"/>
+          </p:nvPr>
+        </p:nvSpPr>
+        <p:spPr/>
+        <p:txBody>
+          <a:bodyPr/>
+          <a:lstStyle/>
+          <a:p>
+            <a:fld id="{20BDA889-C336-4803-979A-05E5B93E4507}" type="datetime1">
+              <a:rPr lang="en-US" smtClean="0"/>
+              <a:t>9/9/2014</a:t>
+            </a:fld>
+            <a:endParaRPr lang="en-US"/>
+          </a:p>
+        </p:txBody>
+      </p:sp>
+      <p:sp>
+        <p:nvSpPr>
+          <p:cNvPr id="5" name="Footer Placeholder 4"/>
+          <p:cNvSpPr>
+            <a:spLocks noGrp="1"/>
+          </p:cNvSpPr>
+          <p:nvPr>
+            <p:ph type="ftr" sz="quarter" idx="11"/>
+          </p:nvPr>
+        </p:nvSpPr>
+        <p:spPr/>
+        <p:txBody>
+          <a:bodyPr/>
+          <a:lstStyle/>
+          <a:p>
+            <a:endParaRPr lang="en-US"/>
+          </a:p>
+        </p:txBody>
+      </p:sp>
+      <p:sp>
+        <p:nvSpPr>
+          <p:cNvPr id="6" name="Slide Number Placeholder 5"/>
+          <p:cNvSpPr>
+            <a:spLocks noGrp="1"/>
+          </p:cNvSpPr>
+          <p:nvPr>
+            <p:ph type="sldNum" sz="quarter" idx="12"/>
+          </p:nvPr>
+        </p:nvSpPr>
+        <p:spPr/>
+        <p:txBody>
+          <a:bodyPr/>
+          <a:lstStyle/>
+          <a:p>
+            <a:fld id="{17752E90-5F7F-4C3E-B97A-4706E54241CE}" type="slidenum">
+              <a:rPr lang="en-US" smtClean="0"/>
+              <a:t>‹#›</a:t>
+            </a:fld>
+            <a:endParaRPr lang="en-US"/>
+          </a:p>
+        </p:txBody>
+      </p:sp>
+    </p:spTree>
+    <p:extLst>
+      <p:ext uri="{BB962C8B-B14F-4D97-AF65-F5344CB8AC3E}">
+        <p14:creationId xmlns:p14="http://schemas.microsoft.com/office/powerpoint/2010/main" val="1270140339"/>
+      </p:ext>
+    </p:extLst>
+  </p:cSld>
+  <p:clrMapOvr>
+    <a:masterClrMapping/>
+  </p:clrMapOvr>
+</p:sldLayout>
+</file>
+
+<file path=ppt/slideLayouts/slideLayout41.xml><?xml version="1.0" encoding="utf-8"?>
+<p:sldLayout xmlns:a="http://schemas.openxmlformats.org/drawingml/2006/main" xmlns:r="http://schemas.openxmlformats.org/officeDocument/2006/relationships" xmlns:p="http://schemas.openxmlformats.org/presentationml/2006/main" type="twoObj" preserve="1">
+  <p:cSld name="Two Content">
+    <p:spTree>
+      <p:nvGrpSpPr>
+        <p:cNvPr id="1" name=""/>
+        <p:cNvGrpSpPr/>
+        <p:nvPr/>
+      </p:nvGrpSpPr>
+      <p:grpSpPr>
+        <a:xfrm>
+          <a:off x="0" y="0"/>
+          <a:ext cx="0" cy="0"/>
+          <a:chOff x="0" y="0"/>
+          <a:chExt cx="0" cy="0"/>
+        </a:xfrm>
+      </p:grpSpPr>
+      <p:sp>
+        <p:nvSpPr>
+          <p:cNvPr id="2" name="Title 1"/>
+          <p:cNvSpPr>
+            <a:spLocks noGrp="1"/>
+          </p:cNvSpPr>
+          <p:nvPr>
+            <p:ph type="title"/>
+          </p:nvPr>
+        </p:nvSpPr>
+        <p:spPr/>
+        <p:txBody>
+          <a:bodyPr/>
+          <a:lstStyle/>
+          <a:p>
+            <a:r>
+              <a:rPr lang="en-US" smtClean="0"/>
+              <a:t>Click to edit Master title style</a:t>
+            </a:r>
+            <a:endParaRPr lang="en-US"/>
+          </a:p>
+        </p:txBody>
+      </p:sp>
+      <p:sp>
+        <p:nvSpPr>
+          <p:cNvPr id="3" name="Content Placeholder 2"/>
+          <p:cNvSpPr>
+            <a:spLocks noGrp="1"/>
+          </p:cNvSpPr>
+          <p:nvPr>
+            <p:ph sz="half" idx="1"/>
+          </p:nvPr>
+        </p:nvSpPr>
+        <p:spPr>
+          <a:xfrm>
+            <a:off x="838200" y="1825625"/>
+            <a:ext cx="5181600" cy="4351338"/>
+          </a:xfrm>
+        </p:spPr>
+        <p:txBody>
+          <a:bodyPr/>
+          <a:lstStyle/>
+          <a:p>
+            <a:pPr lvl="0"/>
+            <a:r>
+              <a:rPr lang="en-US" smtClean="0"/>
+              <a:t>Click to edit Master text styles</a:t>
+            </a:r>
+          </a:p>
+          <a:p>
+            <a:pPr lvl="1"/>
+            <a:r>
+              <a:rPr lang="en-US" smtClean="0"/>
+              <a:t>Second level</a:t>
+            </a:r>
+          </a:p>
+          <a:p>
+            <a:pPr lvl="2"/>
+            <a:r>
+              <a:rPr lang="en-US" smtClean="0"/>
+              <a:t>Third level</a:t>
+            </a:r>
+          </a:p>
+          <a:p>
+            <a:pPr lvl="3"/>
+            <a:r>
+              <a:rPr lang="en-US" smtClean="0"/>
+              <a:t>Fourth level</a:t>
+            </a:r>
+          </a:p>
+          <a:p>
+            <a:pPr lvl="4"/>
+            <a:r>
+              <a:rPr lang="en-US" smtClean="0"/>
+              <a:t>Fifth level</a:t>
+            </a:r>
+            <a:endParaRPr lang="en-US"/>
+          </a:p>
+        </p:txBody>
+      </p:sp>
+      <p:sp>
+        <p:nvSpPr>
+          <p:cNvPr id="4" name="Content Placeholder 3"/>
+          <p:cNvSpPr>
+            <a:spLocks noGrp="1"/>
+          </p:cNvSpPr>
+          <p:nvPr>
+            <p:ph sz="half" idx="2"/>
+          </p:nvPr>
+        </p:nvSpPr>
+        <p:spPr>
+          <a:xfrm>
+            <a:off x="6172200" y="1825625"/>
+            <a:ext cx="5181600" cy="4351338"/>
+          </a:xfrm>
+        </p:spPr>
+        <p:txBody>
+          <a:bodyPr/>
+          <a:lstStyle/>
+          <a:p>
+            <a:pPr lvl="0"/>
+            <a:r>
+              <a:rPr lang="en-US" smtClean="0"/>
+              <a:t>Click to edit Master text styles</a:t>
+            </a:r>
+          </a:p>
+          <a:p>
+            <a:pPr lvl="1"/>
+            <a:r>
+              <a:rPr lang="en-US" smtClean="0"/>
+              <a:t>Second level</a:t>
+            </a:r>
+          </a:p>
+          <a:p>
+            <a:pPr lvl="2"/>
+            <a:r>
+              <a:rPr lang="en-US" smtClean="0"/>
+              <a:t>Third level</a:t>
+            </a:r>
+          </a:p>
+          <a:p>
+            <a:pPr lvl="3"/>
+            <a:r>
+              <a:rPr lang="en-US" smtClean="0"/>
+              <a:t>Fourth level</a:t>
+            </a:r>
+          </a:p>
+          <a:p>
+            <a:pPr lvl="4"/>
+            <a:r>
+              <a:rPr lang="en-US" smtClean="0"/>
+              <a:t>Fifth level</a:t>
+            </a:r>
+            <a:endParaRPr lang="en-US"/>
+          </a:p>
+        </p:txBody>
+      </p:sp>
+      <p:sp>
+        <p:nvSpPr>
+          <p:cNvPr id="5" name="Date Placeholder 4"/>
+          <p:cNvSpPr>
+            <a:spLocks noGrp="1"/>
+          </p:cNvSpPr>
+          <p:nvPr>
+            <p:ph type="dt" sz="half" idx="10"/>
+          </p:nvPr>
+        </p:nvSpPr>
+        <p:spPr/>
+        <p:txBody>
+          <a:bodyPr/>
+          <a:lstStyle/>
+          <a:p>
+            <a:fld id="{0C94716F-F096-42C4-AD38-6743E089830E}" type="datetime1">
+              <a:rPr lang="en-US" smtClean="0"/>
+              <a:t>9/9/2014</a:t>
+            </a:fld>
+            <a:endParaRPr lang="en-US"/>
+          </a:p>
+        </p:txBody>
+      </p:sp>
+      <p:sp>
+        <p:nvSpPr>
+          <p:cNvPr id="6" name="Footer Placeholder 5"/>
+          <p:cNvSpPr>
+            <a:spLocks noGrp="1"/>
+          </p:cNvSpPr>
+          <p:nvPr>
+            <p:ph type="ftr" sz="quarter" idx="11"/>
+          </p:nvPr>
+        </p:nvSpPr>
+        <p:spPr/>
+        <p:txBody>
+          <a:bodyPr/>
+          <a:lstStyle/>
+          <a:p>
+            <a:endParaRPr lang="en-US"/>
+          </a:p>
+        </p:txBody>
+      </p:sp>
+      <p:sp>
+        <p:nvSpPr>
+          <p:cNvPr id="7" name="Slide Number Placeholder 6"/>
+          <p:cNvSpPr>
+            <a:spLocks noGrp="1"/>
+          </p:cNvSpPr>
+          <p:nvPr>
+            <p:ph type="sldNum" sz="quarter" idx="12"/>
+          </p:nvPr>
+        </p:nvSpPr>
+        <p:spPr/>
+        <p:txBody>
+          <a:bodyPr/>
+          <a:lstStyle/>
+          <a:p>
+            <a:fld id="{17752E90-5F7F-4C3E-B97A-4706E54241CE}" type="slidenum">
+              <a:rPr lang="en-US" smtClean="0"/>
+              <a:t>‹#›</a:t>
+            </a:fld>
+            <a:endParaRPr lang="en-US"/>
+          </a:p>
+        </p:txBody>
+      </p:sp>
+    </p:spTree>
+    <p:extLst>
+      <p:ext uri="{BB962C8B-B14F-4D97-AF65-F5344CB8AC3E}">
+        <p14:creationId xmlns:p14="http://schemas.microsoft.com/office/powerpoint/2010/main" val="3954145812"/>
+      </p:ext>
+    </p:extLst>
+  </p:cSld>
+  <p:clrMapOvr>
+    <a:masterClrMapping/>
+  </p:clrMapOvr>
+</p:sldLayout>
+</file>
+
+<file path=ppt/slideLayouts/slideLayout42.xml><?xml version="1.0" encoding="utf-8"?>
+<p:sldLayout xmlns:a="http://schemas.openxmlformats.org/drawingml/2006/main" xmlns:r="http://schemas.openxmlformats.org/officeDocument/2006/relationships" xmlns:p="http://schemas.openxmlformats.org/presentationml/2006/main" type="twoTxTwoObj" preserve="1">
+  <p:cSld name="Comparison">
+    <p:spTree>
+      <p:nvGrpSpPr>
+        <p:cNvPr id="1" name=""/>
+        <p:cNvGrpSpPr/>
+        <p:nvPr/>
+      </p:nvGrpSpPr>
+      <p:grpSpPr>
+        <a:xfrm>
+          <a:off x="0" y="0"/>
+          <a:ext cx="0" cy="0"/>
+          <a:chOff x="0" y="0"/>
+          <a:chExt cx="0" cy="0"/>
+        </a:xfrm>
+      </p:grpSpPr>
+      <p:sp>
+        <p:nvSpPr>
+          <p:cNvPr id="2" name="Title 1"/>
+          <p:cNvSpPr>
+            <a:spLocks noGrp="1"/>
+          </p:cNvSpPr>
+          <p:nvPr>
+            <p:ph type="title"/>
+          </p:nvPr>
+        </p:nvSpPr>
+        <p:spPr>
+          <a:xfrm>
+            <a:off x="839788" y="365125"/>
+            <a:ext cx="10515600" cy="1325563"/>
+          </a:xfrm>
+        </p:spPr>
+        <p:txBody>
+          <a:bodyPr/>
+          <a:lstStyle/>
+          <a:p>
+            <a:r>
+              <a:rPr lang="en-US" smtClean="0"/>
+              <a:t>Click to edit Master title style</a:t>
+            </a:r>
+            <a:endParaRPr lang="en-US"/>
+          </a:p>
+        </p:txBody>
+      </p:sp>
+      <p:sp>
+        <p:nvSpPr>
+          <p:cNvPr id="3" name="Text Placeholder 2"/>
+          <p:cNvSpPr>
+            <a:spLocks noGrp="1"/>
+          </p:cNvSpPr>
+          <p:nvPr>
+            <p:ph type="body" idx="1"/>
+          </p:nvPr>
+        </p:nvSpPr>
+        <p:spPr>
+          <a:xfrm>
+            <a:off x="839788" y="1681163"/>
+            <a:ext cx="5157787" cy="823912"/>
+          </a:xfrm>
+        </p:spPr>
+        <p:txBody>
+          <a:bodyPr anchor="b"/>
+          <a:lstStyle>
+            <a:lvl1pPr marL="0" indent="0">
+              <a:buNone/>
+              <a:defRPr sz="2400" b="1"/>
+            </a:lvl1pPr>
+            <a:lvl2pPr marL="457200" indent="0">
+              <a:buNone/>
+              <a:defRPr sz="2000" b="1"/>
+            </a:lvl2pPr>
+            <a:lvl3pPr marL="914400" indent="0">
+              <a:buNone/>
+              <a:defRPr sz="1800" b="1"/>
+            </a:lvl3pPr>
+            <a:lvl4pPr marL="1371600" indent="0">
+              <a:buNone/>
+              <a:defRPr sz="1600" b="1"/>
+            </a:lvl4pPr>
+            <a:lvl5pPr marL="1828800" indent="0">
+              <a:buNone/>
+              <a:defRPr sz="1600" b="1"/>
+            </a:lvl5pPr>
+            <a:lvl6pPr marL="2286000" indent="0">
+              <a:buNone/>
+              <a:defRPr sz="1600" b="1"/>
+            </a:lvl6pPr>
+            <a:lvl7pPr marL="2743200" indent="0">
+              <a:buNone/>
+              <a:defRPr sz="1600" b="1"/>
+            </a:lvl7pPr>
+            <a:lvl8pPr marL="3200400" indent="0">
+              <a:buNone/>
+              <a:defRPr sz="1600" b="1"/>
+            </a:lvl8pPr>
+            <a:lvl9pPr marL="3657600" indent="0">
+              <a:buNone/>
+              <a:defRPr sz="1600" b="1"/>
+            </a:lvl9pPr>
+          </a:lstStyle>
+          <a:p>
+            <a:pPr lvl="0"/>
+            <a:r>
+              <a:rPr lang="en-US" smtClean="0"/>
+              <a:t>Click to edit Master text styles</a:t>
+            </a:r>
+          </a:p>
+        </p:txBody>
+      </p:sp>
+      <p:sp>
+        <p:nvSpPr>
+          <p:cNvPr id="4" name="Content Placeholder 3"/>
+          <p:cNvSpPr>
+            <a:spLocks noGrp="1"/>
+          </p:cNvSpPr>
+          <p:nvPr>
+            <p:ph sz="half" idx="2"/>
+          </p:nvPr>
+        </p:nvSpPr>
+        <p:spPr>
+          <a:xfrm>
+            <a:off x="839788" y="2505075"/>
+            <a:ext cx="5157787" cy="3684588"/>
+          </a:xfrm>
+        </p:spPr>
+        <p:txBody>
+          <a:bodyPr/>
+          <a:lstStyle/>
+          <a:p>
+            <a:pPr lvl="0"/>
+            <a:r>
+              <a:rPr lang="en-US" smtClean="0"/>
+              <a:t>Click to edit Master text styles</a:t>
+            </a:r>
+          </a:p>
+          <a:p>
+            <a:pPr lvl="1"/>
+            <a:r>
+              <a:rPr lang="en-US" smtClean="0"/>
+              <a:t>Second level</a:t>
+            </a:r>
+          </a:p>
+          <a:p>
+            <a:pPr lvl="2"/>
+            <a:r>
+              <a:rPr lang="en-US" smtClean="0"/>
+              <a:t>Third level</a:t>
+            </a:r>
+          </a:p>
+          <a:p>
+            <a:pPr lvl="3"/>
+            <a:r>
+              <a:rPr lang="en-US" smtClean="0"/>
+              <a:t>Fourth level</a:t>
+            </a:r>
+          </a:p>
+          <a:p>
+            <a:pPr lvl="4"/>
+            <a:r>
+              <a:rPr lang="en-US" smtClean="0"/>
+              <a:t>Fifth level</a:t>
+            </a:r>
+            <a:endParaRPr lang="en-US"/>
+          </a:p>
+        </p:txBody>
+      </p:sp>
+      <p:sp>
+        <p:nvSpPr>
+          <p:cNvPr id="5" name="Text Placeholder 4"/>
+          <p:cNvSpPr>
+            <a:spLocks noGrp="1"/>
+          </p:cNvSpPr>
+          <p:nvPr>
+            <p:ph type="body" sz="quarter" idx="3"/>
+          </p:nvPr>
+        </p:nvSpPr>
+        <p:spPr>
+          <a:xfrm>
+            <a:off x="6172200" y="1681163"/>
+            <a:ext cx="5183188" cy="823912"/>
+          </a:xfrm>
+        </p:spPr>
+        <p:txBody>
+          <a:bodyPr anchor="b"/>
+          <a:lstStyle>
+            <a:lvl1pPr marL="0" indent="0">
+              <a:buNone/>
+              <a:defRPr sz="2400" b="1"/>
+            </a:lvl1pPr>
+            <a:lvl2pPr marL="457200" indent="0">
+              <a:buNone/>
+              <a:defRPr sz="2000" b="1"/>
+            </a:lvl2pPr>
+            <a:lvl3pPr marL="914400" indent="0">
+              <a:buNone/>
+              <a:defRPr sz="1800" b="1"/>
+            </a:lvl3pPr>
+            <a:lvl4pPr marL="1371600" indent="0">
+              <a:buNone/>
+              <a:defRPr sz="1600" b="1"/>
+            </a:lvl4pPr>
+            <a:lvl5pPr marL="1828800" indent="0">
+              <a:buNone/>
+              <a:defRPr sz="1600" b="1"/>
+            </a:lvl5pPr>
+            <a:lvl6pPr marL="2286000" indent="0">
+              <a:buNone/>
+              <a:defRPr sz="1600" b="1"/>
+            </a:lvl6pPr>
+            <a:lvl7pPr marL="2743200" indent="0">
+              <a:buNone/>
+              <a:defRPr sz="1600" b="1"/>
+            </a:lvl7pPr>
+            <a:lvl8pPr marL="3200400" indent="0">
+              <a:buNone/>
+              <a:defRPr sz="1600" b="1"/>
+            </a:lvl8pPr>
+            <a:lvl9pPr marL="3657600" indent="0">
+              <a:buNone/>
+              <a:defRPr sz="1600" b="1"/>
+            </a:lvl9pPr>
+          </a:lstStyle>
+          <a:p>
+            <a:pPr lvl="0"/>
+            <a:r>
+              <a:rPr lang="en-US" smtClean="0"/>
+              <a:t>Click to edit Master text styles</a:t>
+            </a:r>
+          </a:p>
+        </p:txBody>
+      </p:sp>
+      <p:sp>
+        <p:nvSpPr>
+          <p:cNvPr id="6" name="Content Placeholder 5"/>
+          <p:cNvSpPr>
+            <a:spLocks noGrp="1"/>
+          </p:cNvSpPr>
+          <p:nvPr>
+            <p:ph sz="quarter" idx="4"/>
+          </p:nvPr>
+        </p:nvSpPr>
+        <p:spPr>
+          <a:xfrm>
+            <a:off x="6172200" y="2505075"/>
+            <a:ext cx="5183188" cy="3684588"/>
+          </a:xfrm>
+        </p:spPr>
+        <p:txBody>
+          <a:bodyPr/>
+          <a:lstStyle/>
+          <a:p>
+            <a:pPr lvl="0"/>
+            <a:r>
+              <a:rPr lang="en-US" smtClean="0"/>
+              <a:t>Click to edit Master text styles</a:t>
+            </a:r>
+          </a:p>
+          <a:p>
+            <a:pPr lvl="1"/>
+            <a:r>
+              <a:rPr lang="en-US" smtClean="0"/>
+              <a:t>Second level</a:t>
+            </a:r>
+          </a:p>
+          <a:p>
+            <a:pPr lvl="2"/>
+            <a:r>
+              <a:rPr lang="en-US" smtClean="0"/>
+              <a:t>Third level</a:t>
+            </a:r>
+          </a:p>
+          <a:p>
+            <a:pPr lvl="3"/>
+            <a:r>
+              <a:rPr lang="en-US" smtClean="0"/>
+              <a:t>Fourth level</a:t>
+            </a:r>
+          </a:p>
+          <a:p>
+            <a:pPr lvl="4"/>
+            <a:r>
+              <a:rPr lang="en-US" smtClean="0"/>
+              <a:t>Fifth level</a:t>
+            </a:r>
+            <a:endParaRPr lang="en-US"/>
+          </a:p>
+        </p:txBody>
+      </p:sp>
+      <p:sp>
+        <p:nvSpPr>
+          <p:cNvPr id="7" name="Date Placeholder 6"/>
+          <p:cNvSpPr>
+            <a:spLocks noGrp="1"/>
+          </p:cNvSpPr>
+          <p:nvPr>
+            <p:ph type="dt" sz="half" idx="10"/>
+          </p:nvPr>
+        </p:nvSpPr>
+        <p:spPr/>
+        <p:txBody>
+          <a:bodyPr/>
+          <a:lstStyle/>
+          <a:p>
+            <a:fld id="{D3EECBB8-4EB8-45E6-9118-FAD79488AEE7}" type="datetime1">
+              <a:rPr lang="en-US" smtClean="0"/>
+              <a:t>9/9/2014</a:t>
+            </a:fld>
+            <a:endParaRPr lang="en-US"/>
+          </a:p>
+        </p:txBody>
+      </p:sp>
+      <p:sp>
+        <p:nvSpPr>
+          <p:cNvPr id="8" name="Footer Placeholder 7"/>
+          <p:cNvSpPr>
+            <a:spLocks noGrp="1"/>
+          </p:cNvSpPr>
+          <p:nvPr>
+            <p:ph type="ftr" sz="quarter" idx="11"/>
+          </p:nvPr>
+        </p:nvSpPr>
+        <p:spPr/>
+        <p:txBody>
+          <a:bodyPr/>
+          <a:lstStyle/>
+          <a:p>
+            <a:endParaRPr lang="en-US"/>
+          </a:p>
+        </p:txBody>
+      </p:sp>
+      <p:sp>
+        <p:nvSpPr>
+          <p:cNvPr id="9" name="Slide Number Placeholder 8"/>
+          <p:cNvSpPr>
+            <a:spLocks noGrp="1"/>
+          </p:cNvSpPr>
+          <p:nvPr>
+            <p:ph type="sldNum" sz="quarter" idx="12"/>
+          </p:nvPr>
+        </p:nvSpPr>
+        <p:spPr/>
+        <p:txBody>
+          <a:bodyPr/>
+          <a:lstStyle/>
+          <a:p>
+            <a:fld id="{17752E90-5F7F-4C3E-B97A-4706E54241CE}" type="slidenum">
+              <a:rPr lang="en-US" smtClean="0"/>
+              <a:t>‹#›</a:t>
+            </a:fld>
+            <a:endParaRPr lang="en-US"/>
+          </a:p>
+        </p:txBody>
+      </p:sp>
+    </p:spTree>
+    <p:extLst>
+      <p:ext uri="{BB962C8B-B14F-4D97-AF65-F5344CB8AC3E}">
+        <p14:creationId xmlns:p14="http://schemas.microsoft.com/office/powerpoint/2010/main" val="390920242"/>
+      </p:ext>
+    </p:extLst>
+  </p:cSld>
+  <p:clrMapOvr>
+    <a:masterClrMapping/>
+  </p:clrMapOvr>
+</p:sldLayout>
+</file>
+
+<file path=ppt/slideLayouts/slideLayout43.xml><?xml version="1.0" encoding="utf-8"?>
+<p:sldLayout xmlns:a="http://schemas.openxmlformats.org/drawingml/2006/main" xmlns:r="http://schemas.openxmlformats.org/officeDocument/2006/relationships" xmlns:p="http://schemas.openxmlformats.org/presentationml/2006/main" type="titleOnly" preserve="1">
+  <p:cSld name="Title Only">
+    <p:spTree>
+      <p:nvGrpSpPr>
+        <p:cNvPr id="1" name=""/>
+        <p:cNvGrpSpPr/>
+        <p:nvPr/>
+      </p:nvGrpSpPr>
+      <p:grpSpPr>
+        <a:xfrm>
+          <a:off x="0" y="0"/>
+          <a:ext cx="0" cy="0"/>
+          <a:chOff x="0" y="0"/>
+          <a:chExt cx="0" cy="0"/>
+        </a:xfrm>
+      </p:grpSpPr>
+      <p:sp>
+        <p:nvSpPr>
+          <p:cNvPr id="2" name="Title 1"/>
+          <p:cNvSpPr>
+            <a:spLocks noGrp="1"/>
+          </p:cNvSpPr>
+          <p:nvPr>
+            <p:ph type="title"/>
+          </p:nvPr>
+        </p:nvSpPr>
+        <p:spPr/>
+        <p:txBody>
+          <a:bodyPr/>
+          <a:lstStyle/>
+          <a:p>
+            <a:r>
+              <a:rPr lang="en-US" smtClean="0"/>
+              <a:t>Click to edit Master title style</a:t>
+            </a:r>
+            <a:endParaRPr lang="en-US"/>
+          </a:p>
+        </p:txBody>
+      </p:sp>
+      <p:sp>
+        <p:nvSpPr>
+          <p:cNvPr id="3" name="Date Placeholder 2"/>
+          <p:cNvSpPr>
+            <a:spLocks noGrp="1"/>
+          </p:cNvSpPr>
+          <p:nvPr>
+            <p:ph type="dt" sz="half" idx="10"/>
+          </p:nvPr>
+        </p:nvSpPr>
+        <p:spPr/>
+        <p:txBody>
+          <a:bodyPr/>
+          <a:lstStyle/>
+          <a:p>
+            <a:fld id="{87C09EE1-AC7D-484B-B439-CD07B1F613F9}" type="datetime1">
+              <a:rPr lang="en-US" smtClean="0"/>
+              <a:t>9/9/2014</a:t>
+            </a:fld>
+            <a:endParaRPr lang="en-US"/>
+          </a:p>
+        </p:txBody>
+      </p:sp>
+      <p:sp>
+        <p:nvSpPr>
+          <p:cNvPr id="4" name="Footer Placeholder 3"/>
+          <p:cNvSpPr>
+            <a:spLocks noGrp="1"/>
+          </p:cNvSpPr>
+          <p:nvPr>
+            <p:ph type="ftr" sz="quarter" idx="11"/>
+          </p:nvPr>
+        </p:nvSpPr>
+        <p:spPr/>
+        <p:txBody>
+          <a:bodyPr/>
+          <a:lstStyle/>
+          <a:p>
+            <a:endParaRPr lang="en-US"/>
+          </a:p>
+        </p:txBody>
+      </p:sp>
+      <p:sp>
+        <p:nvSpPr>
+          <p:cNvPr id="5" name="Slide Number Placeholder 4"/>
+          <p:cNvSpPr>
+            <a:spLocks noGrp="1"/>
+          </p:cNvSpPr>
+          <p:nvPr>
+            <p:ph type="sldNum" sz="quarter" idx="12"/>
+          </p:nvPr>
+        </p:nvSpPr>
+        <p:spPr/>
+        <p:txBody>
+          <a:bodyPr/>
+          <a:lstStyle/>
+          <a:p>
+            <a:fld id="{17752E90-5F7F-4C3E-B97A-4706E54241CE}" type="slidenum">
+              <a:rPr lang="en-US" smtClean="0"/>
+              <a:t>‹#›</a:t>
+            </a:fld>
+            <a:endParaRPr lang="en-US"/>
+          </a:p>
+        </p:txBody>
+      </p:sp>
+    </p:spTree>
+    <p:extLst>
+      <p:ext uri="{BB962C8B-B14F-4D97-AF65-F5344CB8AC3E}">
+        <p14:creationId xmlns:p14="http://schemas.microsoft.com/office/powerpoint/2010/main" val="2230596160"/>
+      </p:ext>
+    </p:extLst>
+  </p:cSld>
+  <p:clrMapOvr>
+    <a:masterClrMapping/>
+  </p:clrMapOvr>
+</p:sldLayout>
+</file>
+
+<file path=ppt/slideLayouts/slideLayout44.xml><?xml version="1.0" encoding="utf-8"?>
+<p:sldLayout xmlns:a="http://schemas.openxmlformats.org/drawingml/2006/main" xmlns:r="http://schemas.openxmlformats.org/officeDocument/2006/relationships" xmlns:p="http://schemas.openxmlformats.org/presentationml/2006/main" type="blank" preserve="1">
+  <p:cSld name="Blank">
+    <p:spTree>
+      <p:nvGrpSpPr>
+        <p:cNvPr id="1" name=""/>
+        <p:cNvGrpSpPr/>
+        <p:nvPr/>
+      </p:nvGrpSpPr>
+      <p:grpSpPr>
+        <a:xfrm>
+          <a:off x="0" y="0"/>
+          <a:ext cx="0" cy="0"/>
+          <a:chOff x="0" y="0"/>
+          <a:chExt cx="0" cy="0"/>
+        </a:xfrm>
+      </p:grpSpPr>
+      <p:sp>
+        <p:nvSpPr>
+          <p:cNvPr id="2" name="Date Placeholder 1"/>
+          <p:cNvSpPr>
+            <a:spLocks noGrp="1"/>
+          </p:cNvSpPr>
+          <p:nvPr>
+            <p:ph type="dt" sz="half" idx="10"/>
+          </p:nvPr>
+        </p:nvSpPr>
+        <p:spPr/>
+        <p:txBody>
+          <a:bodyPr/>
+          <a:lstStyle/>
+          <a:p>
+            <a:fld id="{9841F9E9-6F70-41E7-99F5-5A480958FE20}" type="datetime1">
+              <a:rPr lang="en-US" smtClean="0"/>
+              <a:t>9/9/2014</a:t>
+            </a:fld>
+            <a:endParaRPr lang="en-US"/>
+          </a:p>
+        </p:txBody>
+      </p:sp>
+      <p:sp>
+        <p:nvSpPr>
+          <p:cNvPr id="3" name="Footer Placeholder 2"/>
+          <p:cNvSpPr>
+            <a:spLocks noGrp="1"/>
+          </p:cNvSpPr>
+          <p:nvPr>
+            <p:ph type="ftr" sz="quarter" idx="11"/>
+          </p:nvPr>
+        </p:nvSpPr>
+        <p:spPr/>
+        <p:txBody>
+          <a:bodyPr/>
+          <a:lstStyle/>
+          <a:p>
+            <a:endParaRPr lang="en-US"/>
+          </a:p>
+        </p:txBody>
+      </p:sp>
+      <p:sp>
+        <p:nvSpPr>
+          <p:cNvPr id="4" name="Slide Number Placeholder 3"/>
+          <p:cNvSpPr>
+            <a:spLocks noGrp="1"/>
+          </p:cNvSpPr>
+          <p:nvPr>
+            <p:ph type="sldNum" sz="quarter" idx="12"/>
+          </p:nvPr>
+        </p:nvSpPr>
+        <p:spPr/>
+        <p:txBody>
+          <a:bodyPr/>
+          <a:lstStyle/>
+          <a:p>
+            <a:fld id="{17752E90-5F7F-4C3E-B97A-4706E54241CE}" type="slidenum">
+              <a:rPr lang="en-US" smtClean="0"/>
+              <a:t>‹#›</a:t>
+            </a:fld>
+            <a:endParaRPr lang="en-US"/>
+          </a:p>
+        </p:txBody>
+      </p:sp>
+    </p:spTree>
+    <p:extLst>
+      <p:ext uri="{BB962C8B-B14F-4D97-AF65-F5344CB8AC3E}">
+        <p14:creationId xmlns:p14="http://schemas.microsoft.com/office/powerpoint/2010/main" val="3200011671"/>
+      </p:ext>
+    </p:extLst>
+  </p:cSld>
+  <p:clrMapOvr>
+    <a:masterClrMapping/>
+  </p:clrMapOvr>
+</p:sldLayout>
+</file>
+
+<file path=ppt/slideLayouts/slideLayout45.xml><?xml version="1.0" encoding="utf-8"?>
+<p:sldLayout xmlns:a="http://schemas.openxmlformats.org/drawingml/2006/main" xmlns:r="http://schemas.openxmlformats.org/officeDocument/2006/relationships" xmlns:p="http://schemas.openxmlformats.org/presentationml/2006/main" type="objTx" preserve="1">
+  <p:cSld name="Content with Caption">
+    <p:spTree>
+      <p:nvGrpSpPr>
+        <p:cNvPr id="1" name=""/>
+        <p:cNvGrpSpPr/>
+        <p:nvPr/>
+      </p:nvGrpSpPr>
+      <p:grpSpPr>
+        <a:xfrm>
+          <a:off x="0" y="0"/>
+          <a:ext cx="0" cy="0"/>
+          <a:chOff x="0" y="0"/>
+          <a:chExt cx="0" cy="0"/>
+        </a:xfrm>
+      </p:grpSpPr>
+      <p:sp>
+        <p:nvSpPr>
+          <p:cNvPr id="2" name="Title 1"/>
+          <p:cNvSpPr>
+            <a:spLocks noGrp="1"/>
+          </p:cNvSpPr>
+          <p:nvPr>
+            <p:ph type="title"/>
+          </p:nvPr>
+        </p:nvSpPr>
+        <p:spPr>
+          <a:xfrm>
+            <a:off x="839788" y="457200"/>
+            <a:ext cx="3932237" cy="1600200"/>
+          </a:xfrm>
+        </p:spPr>
+        <p:txBody>
+          <a:bodyPr anchor="b"/>
+          <a:lstStyle>
+            <a:lvl1pPr>
+              <a:defRPr sz="3200"/>
+            </a:lvl1pPr>
+          </a:lstStyle>
+          <a:p>
+            <a:r>
+              <a:rPr lang="en-US" smtClean="0"/>
+              <a:t>Click to edit Master title style</a:t>
+            </a:r>
+            <a:endParaRPr lang="en-US"/>
+          </a:p>
+        </p:txBody>
+      </p:sp>
+      <p:sp>
+        <p:nvSpPr>
+          <p:cNvPr id="3" name="Content Placeholder 2"/>
+          <p:cNvSpPr>
+            <a:spLocks noGrp="1"/>
+          </p:cNvSpPr>
+          <p:nvPr>
+            <p:ph idx="1"/>
+          </p:nvPr>
+        </p:nvSpPr>
+        <p:spPr>
+          <a:xfrm>
+            <a:off x="5183188" y="987425"/>
+            <a:ext cx="6172200" cy="4873625"/>
+          </a:xfrm>
+        </p:spPr>
+        <p:txBody>
+          <a:bodyPr/>
+          <a:lstStyle>
+            <a:lvl1pPr>
+              <a:defRPr sz="3200"/>
+            </a:lvl1pPr>
+            <a:lvl2pPr>
+              <a:defRPr sz="2800"/>
+            </a:lvl2pPr>
+            <a:lvl3pPr>
+              <a:defRPr sz="2400"/>
+            </a:lvl3pPr>
+            <a:lvl4pPr>
+              <a:defRPr sz="2000"/>
+            </a:lvl4pPr>
+            <a:lvl5pPr>
+              <a:defRPr sz="2000"/>
+            </a:lvl5pPr>
+            <a:lvl6pPr>
+              <a:defRPr sz="2000"/>
+            </a:lvl6pPr>
+            <a:lvl7pPr>
+              <a:defRPr sz="2000"/>
+            </a:lvl7pPr>
+            <a:lvl8pPr>
+              <a:defRPr sz="2000"/>
+            </a:lvl8pPr>
+            <a:lvl9pPr>
+              <a:defRPr sz="2000"/>
+            </a:lvl9pPr>
+          </a:lstStyle>
+          <a:p>
+            <a:pPr lvl="0"/>
+            <a:r>
+              <a:rPr lang="en-US" smtClean="0"/>
+              <a:t>Click to edit Master text styles</a:t>
+            </a:r>
+          </a:p>
+          <a:p>
+            <a:pPr lvl="1"/>
+            <a:r>
+              <a:rPr lang="en-US" smtClean="0"/>
+              <a:t>Second level</a:t>
+            </a:r>
+          </a:p>
+          <a:p>
+            <a:pPr lvl="2"/>
+            <a:r>
+              <a:rPr lang="en-US" smtClean="0"/>
+              <a:t>Third level</a:t>
+            </a:r>
+          </a:p>
+          <a:p>
+            <a:pPr lvl="3"/>
+            <a:r>
+              <a:rPr lang="en-US" smtClean="0"/>
+              <a:t>Fourth level</a:t>
+            </a:r>
+          </a:p>
+          <a:p>
+            <a:pPr lvl="4"/>
+            <a:r>
+              <a:rPr lang="en-US" smtClean="0"/>
+              <a:t>Fifth level</a:t>
+            </a:r>
+            <a:endParaRPr lang="en-US"/>
+          </a:p>
+        </p:txBody>
+      </p:sp>
+      <p:sp>
+        <p:nvSpPr>
+          <p:cNvPr id="4" name="Text Placeholder 3"/>
+          <p:cNvSpPr>
+            <a:spLocks noGrp="1"/>
+          </p:cNvSpPr>
+          <p:nvPr>
+            <p:ph type="body" sz="half" idx="2"/>
+          </p:nvPr>
+        </p:nvSpPr>
+        <p:spPr>
+          <a:xfrm>
+            <a:off x="839788" y="2057400"/>
+            <a:ext cx="3932237" cy="3811588"/>
+          </a:xfrm>
+        </p:spPr>
+        <p:txBody>
+          <a:bodyPr/>
+          <a:lstStyle>
+            <a:lvl1pPr marL="0" indent="0">
+              <a:buNone/>
+              <a:defRPr sz="1600"/>
+            </a:lvl1pPr>
+            <a:lvl2pPr marL="457200" indent="0">
+              <a:buNone/>
+              <a:defRPr sz="1400"/>
+            </a:lvl2pPr>
+            <a:lvl3pPr marL="914400" indent="0">
+              <a:buNone/>
+              <a:defRPr sz="1200"/>
+            </a:lvl3pPr>
+            <a:lvl4pPr marL="1371600" indent="0">
+              <a:buNone/>
+              <a:defRPr sz="1000"/>
+            </a:lvl4pPr>
+            <a:lvl5pPr marL="1828800" indent="0">
+              <a:buNone/>
+              <a:defRPr sz="1000"/>
+            </a:lvl5pPr>
+            <a:lvl6pPr marL="2286000" indent="0">
+              <a:buNone/>
+              <a:defRPr sz="1000"/>
+            </a:lvl6pPr>
+            <a:lvl7pPr marL="2743200" indent="0">
+              <a:buNone/>
+              <a:defRPr sz="1000"/>
+            </a:lvl7pPr>
+            <a:lvl8pPr marL="3200400" indent="0">
+              <a:buNone/>
+              <a:defRPr sz="1000"/>
+            </a:lvl8pPr>
+            <a:lvl9pPr marL="3657600" indent="0">
+              <a:buNone/>
+              <a:defRPr sz="1000"/>
+            </a:lvl9pPr>
+          </a:lstStyle>
+          <a:p>
+            <a:pPr lvl="0"/>
+            <a:r>
+              <a:rPr lang="en-US" smtClean="0"/>
+              <a:t>Click to edit Master text styles</a:t>
+            </a:r>
+          </a:p>
+        </p:txBody>
+      </p:sp>
+      <p:sp>
+        <p:nvSpPr>
+          <p:cNvPr id="5" name="Date Placeholder 4"/>
+          <p:cNvSpPr>
+            <a:spLocks noGrp="1"/>
+          </p:cNvSpPr>
+          <p:nvPr>
+            <p:ph type="dt" sz="half" idx="10"/>
+          </p:nvPr>
+        </p:nvSpPr>
+        <p:spPr/>
+        <p:txBody>
+          <a:bodyPr/>
+          <a:lstStyle/>
+          <a:p>
+            <a:fld id="{51ED824C-0E6C-4A89-8D2A-E2566C4DF51A}" type="datetime1">
+              <a:rPr lang="en-US" smtClean="0"/>
+              <a:t>9/9/2014</a:t>
+            </a:fld>
+            <a:endParaRPr lang="en-US"/>
+          </a:p>
+        </p:txBody>
+      </p:sp>
+      <p:sp>
+        <p:nvSpPr>
+          <p:cNvPr id="6" name="Footer Placeholder 5"/>
+          <p:cNvSpPr>
+            <a:spLocks noGrp="1"/>
+          </p:cNvSpPr>
+          <p:nvPr>
+            <p:ph type="ftr" sz="quarter" idx="11"/>
+          </p:nvPr>
+        </p:nvSpPr>
+        <p:spPr/>
+        <p:txBody>
+          <a:bodyPr/>
+          <a:lstStyle/>
+          <a:p>
+            <a:endParaRPr lang="en-US"/>
+          </a:p>
+        </p:txBody>
+      </p:sp>
+      <p:sp>
+        <p:nvSpPr>
+          <p:cNvPr id="7" name="Slide Number Placeholder 6"/>
+          <p:cNvSpPr>
+            <a:spLocks noGrp="1"/>
+          </p:cNvSpPr>
+          <p:nvPr>
+            <p:ph type="sldNum" sz="quarter" idx="12"/>
+          </p:nvPr>
+        </p:nvSpPr>
+        <p:spPr/>
+        <p:txBody>
+          <a:bodyPr/>
+          <a:lstStyle/>
+          <a:p>
+            <a:fld id="{17752E90-5F7F-4C3E-B97A-4706E54241CE}" type="slidenum">
+              <a:rPr lang="en-US" smtClean="0"/>
+              <a:t>‹#›</a:t>
+            </a:fld>
+            <a:endParaRPr lang="en-US"/>
+          </a:p>
+        </p:txBody>
+      </p:sp>
+    </p:spTree>
+    <p:extLst>
+      <p:ext uri="{BB962C8B-B14F-4D97-AF65-F5344CB8AC3E}">
+        <p14:creationId xmlns:p14="http://schemas.microsoft.com/office/powerpoint/2010/main" val="1568141313"/>
+      </p:ext>
+    </p:extLst>
+  </p:cSld>
+  <p:clrMapOvr>
+    <a:masterClrMapping/>
+  </p:clrMapOvr>
+</p:sldLayout>
+</file>
+
+<file path=ppt/slideLayouts/slideLayout46.xml><?xml version="1.0" encoding="utf-8"?>
+<p:sldLayout xmlns:a="http://schemas.openxmlformats.org/drawingml/2006/main" xmlns:r="http://schemas.openxmlformats.org/officeDocument/2006/relationships" xmlns:p="http://schemas.openxmlformats.org/presentationml/2006/main" type="picTx" preserve="1">
+  <p:cSld name="Picture with Caption">
+    <p:spTree>
+      <p:nvGrpSpPr>
+        <p:cNvPr id="1" name=""/>
+        <p:cNvGrpSpPr/>
+        <p:nvPr/>
+      </p:nvGrpSpPr>
+      <p:grpSpPr>
+        <a:xfrm>
+          <a:off x="0" y="0"/>
+          <a:ext cx="0" cy="0"/>
+          <a:chOff x="0" y="0"/>
+          <a:chExt cx="0" cy="0"/>
+        </a:xfrm>
+      </p:grpSpPr>
+      <p:sp>
+        <p:nvSpPr>
+          <p:cNvPr id="2" name="Title 1"/>
+          <p:cNvSpPr>
+            <a:spLocks noGrp="1"/>
+          </p:cNvSpPr>
+          <p:nvPr>
+            <p:ph type="title"/>
+          </p:nvPr>
+        </p:nvSpPr>
+        <p:spPr>
+          <a:xfrm>
+            <a:off x="839788" y="457200"/>
+            <a:ext cx="3932237" cy="1600200"/>
+          </a:xfrm>
+        </p:spPr>
+        <p:txBody>
+          <a:bodyPr anchor="b"/>
+          <a:lstStyle>
+            <a:lvl1pPr>
+              <a:defRPr sz="3200"/>
+            </a:lvl1pPr>
+          </a:lstStyle>
+          <a:p>
+            <a:r>
+              <a:rPr lang="en-US" smtClean="0"/>
+              <a:t>Click to edit Master title style</a:t>
+            </a:r>
+            <a:endParaRPr lang="en-US"/>
+          </a:p>
+        </p:txBody>
+      </p:sp>
+      <p:sp>
+        <p:nvSpPr>
+          <p:cNvPr id="3" name="Picture Placeholder 2"/>
+          <p:cNvSpPr>
+            <a:spLocks noGrp="1"/>
+          </p:cNvSpPr>
+          <p:nvPr>
+            <p:ph type="pic" idx="1"/>
+          </p:nvPr>
+        </p:nvSpPr>
+        <p:spPr>
+          <a:xfrm>
+            <a:off x="5183188" y="987425"/>
+            <a:ext cx="6172200" cy="4873625"/>
+          </a:xfrm>
+        </p:spPr>
+        <p:txBody>
+          <a:bodyPr/>
+          <a:lstStyle>
+            <a:lvl1pPr marL="0" indent="0">
+              <a:buNone/>
+              <a:defRPr sz="3200"/>
+            </a:lvl1pPr>
+            <a:lvl2pPr marL="457200" indent="0">
+              <a:buNone/>
+              <a:defRPr sz="2800"/>
+            </a:lvl2pPr>
+            <a:lvl3pPr marL="914400" indent="0">
+              <a:buNone/>
+              <a:defRPr sz="2400"/>
+            </a:lvl3pPr>
+            <a:lvl4pPr marL="1371600" indent="0">
+              <a:buNone/>
+              <a:defRPr sz="2000"/>
+            </a:lvl4pPr>
+            <a:lvl5pPr marL="1828800" indent="0">
+              <a:buNone/>
+              <a:defRPr sz="2000"/>
+            </a:lvl5pPr>
+            <a:lvl6pPr marL="2286000" indent="0">
+              <a:buNone/>
+              <a:defRPr sz="2000"/>
+            </a:lvl6pPr>
+            <a:lvl7pPr marL="2743200" indent="0">
+              <a:buNone/>
+              <a:defRPr sz="2000"/>
+            </a:lvl7pPr>
+            <a:lvl8pPr marL="3200400" indent="0">
+              <a:buNone/>
+              <a:defRPr sz="2000"/>
+            </a:lvl8pPr>
+            <a:lvl9pPr marL="3657600" indent="0">
+              <a:buNone/>
+              <a:defRPr sz="2000"/>
+            </a:lvl9pPr>
+          </a:lstStyle>
+          <a:p>
+            <a:r>
+              <a:rPr lang="en-US" smtClean="0"/>
+              <a:t>Click icon to add picture</a:t>
+            </a:r>
+            <a:endParaRPr lang="en-US"/>
+          </a:p>
+        </p:txBody>
+      </p:sp>
+      <p:sp>
+        <p:nvSpPr>
+          <p:cNvPr id="4" name="Text Placeholder 3"/>
+          <p:cNvSpPr>
+            <a:spLocks noGrp="1"/>
+          </p:cNvSpPr>
+          <p:nvPr>
+            <p:ph type="body" sz="half" idx="2"/>
+          </p:nvPr>
+        </p:nvSpPr>
+        <p:spPr>
+          <a:xfrm>
+            <a:off x="839788" y="2057400"/>
+            <a:ext cx="3932237" cy="3811588"/>
+          </a:xfrm>
+        </p:spPr>
+        <p:txBody>
+          <a:bodyPr/>
+          <a:lstStyle>
+            <a:lvl1pPr marL="0" indent="0">
+              <a:buNone/>
+              <a:defRPr sz="1600"/>
+            </a:lvl1pPr>
+            <a:lvl2pPr marL="457200" indent="0">
+              <a:buNone/>
+              <a:defRPr sz="1400"/>
+            </a:lvl2pPr>
+            <a:lvl3pPr marL="914400" indent="0">
+              <a:buNone/>
+              <a:defRPr sz="1200"/>
+            </a:lvl3pPr>
+            <a:lvl4pPr marL="1371600" indent="0">
+              <a:buNone/>
+              <a:defRPr sz="1000"/>
+            </a:lvl4pPr>
+            <a:lvl5pPr marL="1828800" indent="0">
+              <a:buNone/>
+              <a:defRPr sz="1000"/>
+            </a:lvl5pPr>
+            <a:lvl6pPr marL="2286000" indent="0">
+              <a:buNone/>
+              <a:defRPr sz="1000"/>
+            </a:lvl6pPr>
+            <a:lvl7pPr marL="2743200" indent="0">
+              <a:buNone/>
+              <a:defRPr sz="1000"/>
+            </a:lvl7pPr>
+            <a:lvl8pPr marL="3200400" indent="0">
+              <a:buNone/>
+              <a:defRPr sz="1000"/>
+            </a:lvl8pPr>
+            <a:lvl9pPr marL="3657600" indent="0">
+              <a:buNone/>
+              <a:defRPr sz="1000"/>
+            </a:lvl9pPr>
+          </a:lstStyle>
+          <a:p>
+            <a:pPr lvl="0"/>
+            <a:r>
+              <a:rPr lang="en-US" smtClean="0"/>
+              <a:t>Click to edit Master text styles</a:t>
+            </a:r>
+          </a:p>
+        </p:txBody>
+      </p:sp>
+      <p:sp>
+        <p:nvSpPr>
+          <p:cNvPr id="5" name="Date Placeholder 4"/>
+          <p:cNvSpPr>
+            <a:spLocks noGrp="1"/>
+          </p:cNvSpPr>
+          <p:nvPr>
+            <p:ph type="dt" sz="half" idx="10"/>
+          </p:nvPr>
+        </p:nvSpPr>
+        <p:spPr/>
+        <p:txBody>
+          <a:bodyPr/>
+          <a:lstStyle/>
+          <a:p>
+            <a:fld id="{EBEF8DD0-6B2A-4676-A962-236A2255051B}" type="datetime1">
+              <a:rPr lang="en-US" smtClean="0"/>
+              <a:t>9/9/2014</a:t>
+            </a:fld>
+            <a:endParaRPr lang="en-US"/>
+          </a:p>
+        </p:txBody>
+      </p:sp>
+      <p:sp>
+        <p:nvSpPr>
+          <p:cNvPr id="6" name="Footer Placeholder 5"/>
+          <p:cNvSpPr>
+            <a:spLocks noGrp="1"/>
+          </p:cNvSpPr>
+          <p:nvPr>
+            <p:ph type="ftr" sz="quarter" idx="11"/>
+          </p:nvPr>
+        </p:nvSpPr>
+        <p:spPr/>
+        <p:txBody>
+          <a:bodyPr/>
+          <a:lstStyle/>
+          <a:p>
+            <a:endParaRPr lang="en-US"/>
+          </a:p>
+        </p:txBody>
+      </p:sp>
+      <p:sp>
+        <p:nvSpPr>
+          <p:cNvPr id="7" name="Slide Number Placeholder 6"/>
+          <p:cNvSpPr>
+            <a:spLocks noGrp="1"/>
+          </p:cNvSpPr>
+          <p:nvPr>
+            <p:ph type="sldNum" sz="quarter" idx="12"/>
+          </p:nvPr>
+        </p:nvSpPr>
+        <p:spPr/>
+        <p:txBody>
+          <a:bodyPr/>
+          <a:lstStyle/>
+          <a:p>
+            <a:fld id="{17752E90-5F7F-4C3E-B97A-4706E54241CE}" type="slidenum">
+              <a:rPr lang="en-US" smtClean="0"/>
+              <a:t>‹#›</a:t>
+            </a:fld>
+            <a:endParaRPr lang="en-US"/>
+          </a:p>
+        </p:txBody>
+      </p:sp>
+    </p:spTree>
+    <p:extLst>
+      <p:ext uri="{BB962C8B-B14F-4D97-AF65-F5344CB8AC3E}">
+        <p14:creationId xmlns:p14="http://schemas.microsoft.com/office/powerpoint/2010/main" val="2374008688"/>
+      </p:ext>
+    </p:extLst>
+  </p:cSld>
+  <p:clrMapOvr>
+    <a:masterClrMapping/>
+  </p:clrMapOvr>
+</p:sldLayout>
+</file>
+
+<file path=ppt/slideLayouts/slideLayout47.xml><?xml version="1.0" encoding="utf-8"?>
+<p:sldLayout xmlns:a="http://schemas.openxmlformats.org/drawingml/2006/main" xmlns:r="http://schemas.openxmlformats.org/officeDocument/2006/relationships" xmlns:p="http://schemas.openxmlformats.org/presentationml/2006/main" type="vertTx" preserve="1">
+  <p:cSld name="Title and Vertical Text">
+    <p:spTree>
+      <p:nvGrpSpPr>
+        <p:cNvPr id="1" name=""/>
+        <p:cNvGrpSpPr/>
+        <p:nvPr/>
+      </p:nvGrpSpPr>
+      <p:grpSpPr>
+        <a:xfrm>
+          <a:off x="0" y="0"/>
+          <a:ext cx="0" cy="0"/>
+          <a:chOff x="0" y="0"/>
+          <a:chExt cx="0" cy="0"/>
+        </a:xfrm>
+      </p:grpSpPr>
+      <p:sp>
+        <p:nvSpPr>
+          <p:cNvPr id="2" name="Title 1"/>
+          <p:cNvSpPr>
+            <a:spLocks noGrp="1"/>
+          </p:cNvSpPr>
+          <p:nvPr>
+            <p:ph type="title"/>
+          </p:nvPr>
+        </p:nvSpPr>
+        <p:spPr/>
+        <p:txBody>
+          <a:bodyPr/>
+          <a:lstStyle/>
+          <a:p>
+            <a:r>
+              <a:rPr lang="en-US" smtClean="0"/>
+              <a:t>Click to edit Master title style</a:t>
+            </a:r>
+            <a:endParaRPr lang="en-US"/>
+          </a:p>
+        </p:txBody>
+      </p:sp>
+      <p:sp>
+        <p:nvSpPr>
+          <p:cNvPr id="3" name="Vertical Text Placeholder 2"/>
+          <p:cNvSpPr>
+            <a:spLocks noGrp="1"/>
+          </p:cNvSpPr>
+          <p:nvPr>
+            <p:ph type="body" orient="vert" idx="1"/>
+          </p:nvPr>
+        </p:nvSpPr>
+        <p:spPr/>
+        <p:txBody>
+          <a:bodyPr vert="eaVert"/>
+          <a:lstStyle/>
+          <a:p>
+            <a:pPr lvl="0"/>
+            <a:r>
+              <a:rPr lang="en-US" smtClean="0"/>
+              <a:t>Click to edit Master text styles</a:t>
+            </a:r>
+          </a:p>
+          <a:p>
+            <a:pPr lvl="1"/>
+            <a:r>
+              <a:rPr lang="en-US" smtClean="0"/>
+              <a:t>Second level</a:t>
+            </a:r>
+          </a:p>
+          <a:p>
+            <a:pPr lvl="2"/>
+            <a:r>
+              <a:rPr lang="en-US" smtClean="0"/>
+              <a:t>Third level</a:t>
+            </a:r>
+          </a:p>
+          <a:p>
+            <a:pPr lvl="3"/>
+            <a:r>
+              <a:rPr lang="en-US" smtClean="0"/>
+              <a:t>Fourth level</a:t>
+            </a:r>
+          </a:p>
+          <a:p>
+            <a:pPr lvl="4"/>
+            <a:r>
+              <a:rPr lang="en-US" smtClean="0"/>
+              <a:t>Fifth level</a:t>
+            </a:r>
+            <a:endParaRPr lang="en-US"/>
+          </a:p>
+        </p:txBody>
+      </p:sp>
+      <p:sp>
+        <p:nvSpPr>
+          <p:cNvPr id="4" name="Date Placeholder 3"/>
+          <p:cNvSpPr>
+            <a:spLocks noGrp="1"/>
+          </p:cNvSpPr>
+          <p:nvPr>
+            <p:ph type="dt" sz="half" idx="10"/>
+          </p:nvPr>
+        </p:nvSpPr>
+        <p:spPr/>
+        <p:txBody>
+          <a:bodyPr/>
+          <a:lstStyle/>
+          <a:p>
+            <a:fld id="{E3454548-02F4-43F1-A4F9-B5B42FC8622A}" type="datetime1">
+              <a:rPr lang="en-US" smtClean="0"/>
+              <a:t>9/9/2014</a:t>
+            </a:fld>
+            <a:endParaRPr lang="en-US"/>
+          </a:p>
+        </p:txBody>
+      </p:sp>
+      <p:sp>
+        <p:nvSpPr>
+          <p:cNvPr id="5" name="Footer Placeholder 4"/>
+          <p:cNvSpPr>
+            <a:spLocks noGrp="1"/>
+          </p:cNvSpPr>
+          <p:nvPr>
+            <p:ph type="ftr" sz="quarter" idx="11"/>
+          </p:nvPr>
+        </p:nvSpPr>
+        <p:spPr/>
+        <p:txBody>
+          <a:bodyPr/>
+          <a:lstStyle/>
+          <a:p>
+            <a:endParaRPr lang="en-US"/>
+          </a:p>
+        </p:txBody>
+      </p:sp>
+      <p:sp>
+        <p:nvSpPr>
+          <p:cNvPr id="6" name="Slide Number Placeholder 5"/>
+          <p:cNvSpPr>
+            <a:spLocks noGrp="1"/>
+          </p:cNvSpPr>
+          <p:nvPr>
+            <p:ph type="sldNum" sz="quarter" idx="12"/>
+          </p:nvPr>
+        </p:nvSpPr>
+        <p:spPr/>
+        <p:txBody>
+          <a:bodyPr/>
+          <a:lstStyle/>
+          <a:p>
+            <a:fld id="{17752E90-5F7F-4C3E-B97A-4706E54241CE}" type="slidenum">
+              <a:rPr lang="en-US" smtClean="0"/>
+              <a:t>‹#›</a:t>
+            </a:fld>
+            <a:endParaRPr lang="en-US"/>
+          </a:p>
+        </p:txBody>
+      </p:sp>
+    </p:spTree>
+    <p:extLst>
+      <p:ext uri="{BB962C8B-B14F-4D97-AF65-F5344CB8AC3E}">
+        <p14:creationId xmlns:p14="http://schemas.microsoft.com/office/powerpoint/2010/main" val="1648972529"/>
+      </p:ext>
+    </p:extLst>
+  </p:cSld>
+  <p:clrMapOvr>
+    <a:masterClrMapping/>
+  </p:clrMapOvr>
+</p:sldLayout>
+</file>
+
+<file path=ppt/slideLayouts/slideLayout48.xml><?xml version="1.0" encoding="utf-8"?>
+<p:sldLayout xmlns:a="http://schemas.openxmlformats.org/drawingml/2006/main" xmlns:r="http://schemas.openxmlformats.org/officeDocument/2006/relationships" xmlns:p="http://schemas.openxmlformats.org/presentationml/2006/main" type="vertTitleAndTx" preserve="1">
+  <p:cSld name="Vertical Title and Text">
+    <p:spTree>
+      <p:nvGrpSpPr>
+        <p:cNvPr id="1" name=""/>
+        <p:cNvGrpSpPr/>
+        <p:nvPr/>
+      </p:nvGrpSpPr>
+      <p:grpSpPr>
+        <a:xfrm>
+          <a:off x="0" y="0"/>
+          <a:ext cx="0" cy="0"/>
+          <a:chOff x="0" y="0"/>
+          <a:chExt cx="0" cy="0"/>
+        </a:xfrm>
+      </p:grpSpPr>
+      <p:sp>
+        <p:nvSpPr>
+          <p:cNvPr id="2" name="Vertical Title 1"/>
+          <p:cNvSpPr>
+            <a:spLocks noGrp="1"/>
+          </p:cNvSpPr>
+          <p:nvPr>
+            <p:ph type="title" orient="vert"/>
+          </p:nvPr>
+        </p:nvSpPr>
+        <p:spPr>
+          <a:xfrm>
+            <a:off x="8724900" y="365125"/>
+            <a:ext cx="2628900" cy="5811838"/>
+          </a:xfrm>
+        </p:spPr>
+        <p:txBody>
+          <a:bodyPr vert="eaVert"/>
+          <a:lstStyle/>
+          <a:p>
+            <a:r>
+              <a:rPr lang="en-US" smtClean="0"/>
+              <a:t>Click to edit Master title style</a:t>
+            </a:r>
+            <a:endParaRPr lang="en-US"/>
+          </a:p>
+        </p:txBody>
+      </p:sp>
+      <p:sp>
+        <p:nvSpPr>
+          <p:cNvPr id="3" name="Vertical Text Placeholder 2"/>
+          <p:cNvSpPr>
+            <a:spLocks noGrp="1"/>
+          </p:cNvSpPr>
+          <p:nvPr>
+            <p:ph type="body" orient="vert" idx="1"/>
+          </p:nvPr>
+        </p:nvSpPr>
+        <p:spPr>
+          <a:xfrm>
+            <a:off x="838200" y="365125"/>
+            <a:ext cx="7734300" cy="5811838"/>
+          </a:xfrm>
+        </p:spPr>
+        <p:txBody>
+          <a:bodyPr vert="eaVert"/>
+          <a:lstStyle/>
+          <a:p>
+            <a:pPr lvl="0"/>
+            <a:r>
+              <a:rPr lang="en-US" smtClean="0"/>
+              <a:t>Click to edit Master text styles</a:t>
+            </a:r>
+          </a:p>
+          <a:p>
+            <a:pPr lvl="1"/>
+            <a:r>
+              <a:rPr lang="en-US" smtClean="0"/>
+              <a:t>Second level</a:t>
+            </a:r>
+          </a:p>
+          <a:p>
+            <a:pPr lvl="2"/>
+            <a:r>
+              <a:rPr lang="en-US" smtClean="0"/>
+              <a:t>Third level</a:t>
+            </a:r>
+          </a:p>
+          <a:p>
+            <a:pPr lvl="3"/>
+            <a:r>
+              <a:rPr lang="en-US" smtClean="0"/>
+              <a:t>Fourth level</a:t>
+            </a:r>
+          </a:p>
+          <a:p>
+            <a:pPr lvl="4"/>
+            <a:r>
+              <a:rPr lang="en-US" smtClean="0"/>
+              <a:t>Fifth level</a:t>
+            </a:r>
+            <a:endParaRPr lang="en-US"/>
+          </a:p>
+        </p:txBody>
+      </p:sp>
+      <p:sp>
+        <p:nvSpPr>
+          <p:cNvPr id="4" name="Date Placeholder 3"/>
+          <p:cNvSpPr>
+            <a:spLocks noGrp="1"/>
+          </p:cNvSpPr>
+          <p:nvPr>
+            <p:ph type="dt" sz="half" idx="10"/>
+          </p:nvPr>
+        </p:nvSpPr>
+        <p:spPr/>
+        <p:txBody>
+          <a:bodyPr/>
+          <a:lstStyle/>
+          <a:p>
+            <a:fld id="{E96D0360-EEDE-4835-8FE5-74F04DCA96E4}" type="datetime1">
+              <a:rPr lang="en-US" smtClean="0"/>
+              <a:t>9/9/2014</a:t>
+            </a:fld>
+            <a:endParaRPr lang="en-US"/>
+          </a:p>
+        </p:txBody>
+      </p:sp>
+      <p:sp>
+        <p:nvSpPr>
+          <p:cNvPr id="5" name="Footer Placeholder 4"/>
+          <p:cNvSpPr>
+            <a:spLocks noGrp="1"/>
+          </p:cNvSpPr>
+          <p:nvPr>
+            <p:ph type="ftr" sz="quarter" idx="11"/>
+          </p:nvPr>
+        </p:nvSpPr>
+        <p:spPr/>
+        <p:txBody>
+          <a:bodyPr/>
+          <a:lstStyle/>
+          <a:p>
+            <a:endParaRPr lang="en-US"/>
+          </a:p>
+        </p:txBody>
+      </p:sp>
+      <p:sp>
+        <p:nvSpPr>
+          <p:cNvPr id="6" name="Slide Number Placeholder 5"/>
+          <p:cNvSpPr>
+            <a:spLocks noGrp="1"/>
+          </p:cNvSpPr>
+          <p:nvPr>
+            <p:ph type="sldNum" sz="quarter" idx="12"/>
+          </p:nvPr>
+        </p:nvSpPr>
+        <p:spPr/>
+        <p:txBody>
+          <a:bodyPr/>
+          <a:lstStyle/>
+          <a:p>
+            <a:fld id="{17752E90-5F7F-4C3E-B97A-4706E54241CE}" type="slidenum">
+              <a:rPr lang="en-US" smtClean="0"/>
+              <a:t>‹#›</a:t>
+            </a:fld>
+            <a:endParaRPr lang="en-US"/>
+          </a:p>
+        </p:txBody>
+      </p:sp>
+    </p:spTree>
+    <p:extLst>
+      <p:ext uri="{BB962C8B-B14F-4D97-AF65-F5344CB8AC3E}">
+        <p14:creationId xmlns:p14="http://schemas.microsoft.com/office/powerpoint/2010/main" val="3162177178"/>
       </p:ext>
     </p:extLst>
   </p:cSld>
@@ -7300,7 +9614,6 @@
               <a:rPr lang="en-US" smtClean="0"/>
               <a:t>Click to edit Master title style</a:t>
             </a:r>
-            <a:endParaRPr lang="en-US" smtClean="0"/>
           </a:p>
         </p:txBody>
       </p:sp>
@@ -7371,7 +9684,6 @@
               <a:rPr lang="en-US" smtClean="0"/>
               <a:t>Fifth level</a:t>
             </a:r>
-            <a:endParaRPr lang="en-US" smtClean="0"/>
           </a:p>
         </p:txBody>
       </p:sp>
@@ -7943,7 +10255,6 @@
               <a:rPr lang="en-US" smtClean="0"/>
               <a:t>Click to edit Master title style</a:t>
             </a:r>
-            <a:endParaRPr lang="en-US" smtClean="0"/>
           </a:p>
         </p:txBody>
       </p:sp>
@@ -8014,7 +10325,6 @@
               <a:rPr lang="en-US" smtClean="0"/>
               <a:t>Fifth level</a:t>
             </a:r>
-            <a:endParaRPr lang="en-US" smtClean="0"/>
           </a:p>
         </p:txBody>
       </p:sp>
@@ -8649,7 +10959,6 @@
               <a:rPr lang="en-US" smtClean="0"/>
               <a:t>Click to edit Master title style</a:t>
             </a:r>
-            <a:endParaRPr lang="en-US" smtClean="0"/>
           </a:p>
         </p:txBody>
       </p:sp>
@@ -8720,7 +11029,6 @@
               <a:rPr lang="en-US" smtClean="0"/>
               <a:t>Fifth level</a:t>
             </a:r>
-            <a:endParaRPr lang="en-US" smtClean="0"/>
           </a:p>
         </p:txBody>
       </p:sp>
@@ -9301,6 +11609,546 @@
 </p:sldMaster>
 </file>
 
+<file path=ppt/slideMasters/slideMaster4.xml><?xml version="1.0" encoding="utf-8"?>
+<p:sldMaster xmlns:a="http://schemas.openxmlformats.org/drawingml/2006/main" xmlns:r="http://schemas.openxmlformats.org/officeDocument/2006/relationships" xmlns:p="http://schemas.openxmlformats.org/presentationml/2006/main">
+  <p:cSld>
+    <p:bg>
+      <p:bgRef idx="1001">
+        <a:schemeClr val="bg1"/>
+      </p:bgRef>
+    </p:bg>
+    <p:spTree>
+      <p:nvGrpSpPr>
+        <p:cNvPr id="1" name=""/>
+        <p:cNvGrpSpPr/>
+        <p:nvPr/>
+      </p:nvGrpSpPr>
+      <p:grpSpPr>
+        <a:xfrm>
+          <a:off x="0" y="0"/>
+          <a:ext cx="0" cy="0"/>
+          <a:chOff x="0" y="0"/>
+          <a:chExt cx="0" cy="0"/>
+        </a:xfrm>
+      </p:grpSpPr>
+      <p:sp>
+        <p:nvSpPr>
+          <p:cNvPr id="2" name="Title Placeholder 1"/>
+          <p:cNvSpPr>
+            <a:spLocks noGrp="1"/>
+          </p:cNvSpPr>
+          <p:nvPr>
+            <p:ph type="title"/>
+          </p:nvPr>
+        </p:nvSpPr>
+        <p:spPr>
+          <a:xfrm>
+            <a:off x="838200" y="365125"/>
+            <a:ext cx="10515600" cy="1325563"/>
+          </a:xfrm>
+          <a:prstGeom prst="rect">
+            <a:avLst/>
+          </a:prstGeom>
+        </p:spPr>
+        <p:txBody>
+          <a:bodyPr vert="horz" lIns="91440" tIns="45720" rIns="91440" bIns="45720" rtlCol="0" anchor="ctr">
+            <a:normAutofit/>
+          </a:bodyPr>
+          <a:lstStyle/>
+          <a:p>
+            <a:r>
+              <a:rPr lang="en-US" smtClean="0"/>
+              <a:t>Click to edit Master title style</a:t>
+            </a:r>
+            <a:endParaRPr lang="en-US"/>
+          </a:p>
+        </p:txBody>
+      </p:sp>
+      <p:sp>
+        <p:nvSpPr>
+          <p:cNvPr id="3" name="Text Placeholder 2"/>
+          <p:cNvSpPr>
+            <a:spLocks noGrp="1"/>
+          </p:cNvSpPr>
+          <p:nvPr>
+            <p:ph type="body" idx="1"/>
+          </p:nvPr>
+        </p:nvSpPr>
+        <p:spPr>
+          <a:xfrm>
+            <a:off x="838200" y="1825625"/>
+            <a:ext cx="10515600" cy="4351338"/>
+          </a:xfrm>
+          <a:prstGeom prst="rect">
+            <a:avLst/>
+          </a:prstGeom>
+        </p:spPr>
+        <p:txBody>
+          <a:bodyPr vert="horz" lIns="91440" tIns="45720" rIns="91440" bIns="45720" rtlCol="0">
+            <a:normAutofit/>
+          </a:bodyPr>
+          <a:lstStyle/>
+          <a:p>
+            <a:pPr lvl="0"/>
+            <a:r>
+              <a:rPr lang="en-US" smtClean="0"/>
+              <a:t>Click to edit Master text styles</a:t>
+            </a:r>
+          </a:p>
+          <a:p>
+            <a:pPr lvl="1"/>
+            <a:r>
+              <a:rPr lang="en-US" smtClean="0"/>
+              <a:t>Second level</a:t>
+            </a:r>
+          </a:p>
+          <a:p>
+            <a:pPr lvl="2"/>
+            <a:r>
+              <a:rPr lang="en-US" smtClean="0"/>
+              <a:t>Third level</a:t>
+            </a:r>
+          </a:p>
+          <a:p>
+            <a:pPr lvl="3"/>
+            <a:r>
+              <a:rPr lang="en-US" smtClean="0"/>
+              <a:t>Fourth level</a:t>
+            </a:r>
+          </a:p>
+          <a:p>
+            <a:pPr lvl="4"/>
+            <a:r>
+              <a:rPr lang="en-US" smtClean="0"/>
+              <a:t>Fifth level</a:t>
+            </a:r>
+            <a:endParaRPr lang="en-US"/>
+          </a:p>
+        </p:txBody>
+      </p:sp>
+      <p:sp>
+        <p:nvSpPr>
+          <p:cNvPr id="4" name="Date Placeholder 3"/>
+          <p:cNvSpPr>
+            <a:spLocks noGrp="1"/>
+          </p:cNvSpPr>
+          <p:nvPr>
+            <p:ph type="dt" sz="half" idx="2"/>
+          </p:nvPr>
+        </p:nvSpPr>
+        <p:spPr>
+          <a:xfrm>
+            <a:off x="838200" y="6356350"/>
+            <a:ext cx="2743200" cy="365125"/>
+          </a:xfrm>
+          <a:prstGeom prst="rect">
+            <a:avLst/>
+          </a:prstGeom>
+        </p:spPr>
+        <p:txBody>
+          <a:bodyPr vert="horz" lIns="91440" tIns="45720" rIns="91440" bIns="45720" rtlCol="0" anchor="ctr"/>
+          <a:lstStyle>
+            <a:lvl1pPr algn="l">
+              <a:defRPr sz="1200">
+                <a:solidFill>
+                  <a:schemeClr val="tx1">
+                    <a:tint val="75000"/>
+                  </a:schemeClr>
+                </a:solidFill>
+              </a:defRPr>
+            </a:lvl1pPr>
+          </a:lstStyle>
+          <a:p>
+            <a:fld id="{977B3DD0-C027-40CA-8539-801CABA39B81}" type="datetime1">
+              <a:rPr lang="en-US" smtClean="0"/>
+              <a:t>9/9/2014</a:t>
+            </a:fld>
+            <a:endParaRPr lang="en-US"/>
+          </a:p>
+        </p:txBody>
+      </p:sp>
+      <p:sp>
+        <p:nvSpPr>
+          <p:cNvPr id="5" name="Footer Placeholder 4"/>
+          <p:cNvSpPr>
+            <a:spLocks noGrp="1"/>
+          </p:cNvSpPr>
+          <p:nvPr>
+            <p:ph type="ftr" sz="quarter" idx="3"/>
+          </p:nvPr>
+        </p:nvSpPr>
+        <p:spPr>
+          <a:xfrm>
+            <a:off x="4038600" y="6356350"/>
+            <a:ext cx="4114800" cy="365125"/>
+          </a:xfrm>
+          <a:prstGeom prst="rect">
+            <a:avLst/>
+          </a:prstGeom>
+        </p:spPr>
+        <p:txBody>
+          <a:bodyPr vert="horz" lIns="91440" tIns="45720" rIns="91440" bIns="45720" rtlCol="0" anchor="ctr"/>
+          <a:lstStyle>
+            <a:lvl1pPr algn="ctr">
+              <a:defRPr sz="1200">
+                <a:solidFill>
+                  <a:schemeClr val="tx1">
+                    <a:tint val="75000"/>
+                  </a:schemeClr>
+                </a:solidFill>
+              </a:defRPr>
+            </a:lvl1pPr>
+          </a:lstStyle>
+          <a:p>
+            <a:endParaRPr lang="en-US"/>
+          </a:p>
+        </p:txBody>
+      </p:sp>
+      <p:sp>
+        <p:nvSpPr>
+          <p:cNvPr id="6" name="Slide Number Placeholder 5"/>
+          <p:cNvSpPr>
+            <a:spLocks noGrp="1"/>
+          </p:cNvSpPr>
+          <p:nvPr>
+            <p:ph type="sldNum" sz="quarter" idx="4"/>
+          </p:nvPr>
+        </p:nvSpPr>
+        <p:spPr>
+          <a:xfrm>
+            <a:off x="8610600" y="6356350"/>
+            <a:ext cx="2743200" cy="365125"/>
+          </a:xfrm>
+          <a:prstGeom prst="rect">
+            <a:avLst/>
+          </a:prstGeom>
+        </p:spPr>
+        <p:txBody>
+          <a:bodyPr vert="horz" lIns="91440" tIns="45720" rIns="91440" bIns="45720" rtlCol="0" anchor="ctr"/>
+          <a:lstStyle>
+            <a:lvl1pPr algn="r">
+              <a:defRPr sz="1200">
+                <a:solidFill>
+                  <a:schemeClr val="tx1">
+                    <a:tint val="75000"/>
+                  </a:schemeClr>
+                </a:solidFill>
+              </a:defRPr>
+            </a:lvl1pPr>
+          </a:lstStyle>
+          <a:p>
+            <a:fld id="{17752E90-5F7F-4C3E-B97A-4706E54241CE}" type="slidenum">
+              <a:rPr lang="en-US" smtClean="0"/>
+              <a:t>‹#›</a:t>
+            </a:fld>
+            <a:endParaRPr lang="en-US"/>
+          </a:p>
+        </p:txBody>
+      </p:sp>
+    </p:spTree>
+    <p:extLst>
+      <p:ext uri="{BB962C8B-B14F-4D97-AF65-F5344CB8AC3E}">
+        <p14:creationId xmlns:p14="http://schemas.microsoft.com/office/powerpoint/2010/main" val="2771066965"/>
+      </p:ext>
+    </p:extLst>
+  </p:cSld>
+  <p:clrMap bg1="lt1" tx1="dk1" bg2="lt2" tx2="dk2" accent1="accent1" accent2="accent2" accent3="accent3" accent4="accent4" accent5="accent5" accent6="accent6" hlink="hlink" folHlink="folHlink"/>
+  <p:sldLayoutIdLst>
+    <p:sldLayoutId id="2147483701" r:id="rId1"/>
+    <p:sldLayoutId id="2147483702" r:id="rId2"/>
+    <p:sldLayoutId id="2147483703" r:id="rId3"/>
+    <p:sldLayoutId id="2147483704" r:id="rId4"/>
+    <p:sldLayoutId id="2147483705" r:id="rId5"/>
+    <p:sldLayoutId id="2147483706" r:id="rId6"/>
+    <p:sldLayoutId id="2147483707" r:id="rId7"/>
+    <p:sldLayoutId id="2147483708" r:id="rId8"/>
+    <p:sldLayoutId id="2147483709" r:id="rId9"/>
+    <p:sldLayoutId id="2147483710" r:id="rId10"/>
+    <p:sldLayoutId id="2147483711" r:id="rId11"/>
+  </p:sldLayoutIdLst>
+  <p:txStyles>
+    <p:titleStyle>
+      <a:lvl1pPr algn="l" defTabSz="914400" rtl="0" eaLnBrk="1" latinLnBrk="0" hangingPunct="1">
+        <a:lnSpc>
+          <a:spcPct val="90000"/>
+        </a:lnSpc>
+        <a:spcBef>
+          <a:spcPct val="0"/>
+        </a:spcBef>
+        <a:buNone/>
+        <a:defRPr sz="4400" kern="1200">
+          <a:solidFill>
+            <a:schemeClr val="tx1"/>
+          </a:solidFill>
+          <a:latin typeface="+mj-lt"/>
+          <a:ea typeface="+mj-ea"/>
+          <a:cs typeface="+mj-cs"/>
+        </a:defRPr>
+      </a:lvl1pPr>
+    </p:titleStyle>
+    <p:bodyStyle>
+      <a:lvl1pPr marL="228600" indent="-228600" algn="l" defTabSz="914400" rtl="0" eaLnBrk="1" latinLnBrk="0" hangingPunct="1">
+        <a:lnSpc>
+          <a:spcPct val="90000"/>
+        </a:lnSpc>
+        <a:spcBef>
+          <a:spcPts val="1000"/>
+        </a:spcBef>
+        <a:buFont typeface="Arial" panose="020B0604020202020204" pitchFamily="34" charset="0"/>
+        <a:buChar char="•"/>
+        <a:defRPr sz="2800" kern="1200">
+          <a:solidFill>
+            <a:schemeClr val="tx1"/>
+          </a:solidFill>
+          <a:latin typeface="+mn-lt"/>
+          <a:ea typeface="+mn-ea"/>
+          <a:cs typeface="+mn-cs"/>
+        </a:defRPr>
+      </a:lvl1pPr>
+      <a:lvl2pPr marL="685800" indent="-228600" algn="l" defTabSz="914400" rtl="0" eaLnBrk="1" latinLnBrk="0" hangingPunct="1">
+        <a:lnSpc>
+          <a:spcPct val="90000"/>
+        </a:lnSpc>
+        <a:spcBef>
+          <a:spcPts val="500"/>
+        </a:spcBef>
+        <a:buFont typeface="Arial" panose="020B0604020202020204" pitchFamily="34" charset="0"/>
+        <a:buChar char="•"/>
+        <a:defRPr sz="2400" kern="1200">
+          <a:solidFill>
+            <a:schemeClr val="tx1"/>
+          </a:solidFill>
+          <a:latin typeface="+mn-lt"/>
+          <a:ea typeface="+mn-ea"/>
+          <a:cs typeface="+mn-cs"/>
+        </a:defRPr>
+      </a:lvl2pPr>
+      <a:lvl3pPr marL="1143000" indent="-228600" algn="l" defTabSz="914400" rtl="0" eaLnBrk="1" latinLnBrk="0" hangingPunct="1">
+        <a:lnSpc>
+          <a:spcPct val="90000"/>
+        </a:lnSpc>
+        <a:spcBef>
+          <a:spcPts val="500"/>
+        </a:spcBef>
+        <a:buFont typeface="Arial" panose="020B0604020202020204" pitchFamily="34" charset="0"/>
+        <a:buChar char="•"/>
+        <a:defRPr sz="2000" kern="1200">
+          <a:solidFill>
+            <a:schemeClr val="tx1"/>
+          </a:solidFill>
+          <a:latin typeface="+mn-lt"/>
+          <a:ea typeface="+mn-ea"/>
+          <a:cs typeface="+mn-cs"/>
+        </a:defRPr>
+      </a:lvl3pPr>
+      <a:lvl4pPr marL="1600200" indent="-228600" algn="l" defTabSz="914400" rtl="0" eaLnBrk="1" latinLnBrk="0" hangingPunct="1">
+        <a:lnSpc>
+          <a:spcPct val="90000"/>
+        </a:lnSpc>
+        <a:spcBef>
+          <a:spcPts val="500"/>
+        </a:spcBef>
+        <a:buFont typeface="Arial" panose="020B0604020202020204" pitchFamily="34" charset="0"/>
+        <a:buChar char="•"/>
+        <a:defRPr sz="1800" kern="1200">
+          <a:solidFill>
+            <a:schemeClr val="tx1"/>
+          </a:solidFill>
+          <a:latin typeface="+mn-lt"/>
+          <a:ea typeface="+mn-ea"/>
+          <a:cs typeface="+mn-cs"/>
+        </a:defRPr>
+      </a:lvl4pPr>
+      <a:lvl5pPr marL="2057400" indent="-228600" algn="l" defTabSz="914400" rtl="0" eaLnBrk="1" latinLnBrk="0" hangingPunct="1">
+        <a:lnSpc>
+          <a:spcPct val="90000"/>
+        </a:lnSpc>
+        <a:spcBef>
+          <a:spcPts val="500"/>
+        </a:spcBef>
+        <a:buFont typeface="Arial" panose="020B0604020202020204" pitchFamily="34" charset="0"/>
+        <a:buChar char="•"/>
+        <a:defRPr sz="1800" kern="1200">
+          <a:solidFill>
+            <a:schemeClr val="tx1"/>
+          </a:solidFill>
+          <a:latin typeface="+mn-lt"/>
+          <a:ea typeface="+mn-ea"/>
+          <a:cs typeface="+mn-cs"/>
+        </a:defRPr>
+      </a:lvl5pPr>
+      <a:lvl6pPr marL="2514600" indent="-228600" algn="l" defTabSz="914400" rtl="0" eaLnBrk="1" latinLnBrk="0" hangingPunct="1">
+        <a:lnSpc>
+          <a:spcPct val="90000"/>
+        </a:lnSpc>
+        <a:spcBef>
+          <a:spcPts val="500"/>
+        </a:spcBef>
+        <a:buFont typeface="Arial" panose="020B0604020202020204" pitchFamily="34" charset="0"/>
+        <a:buChar char="•"/>
+        <a:defRPr sz="1800" kern="1200">
+          <a:solidFill>
+            <a:schemeClr val="tx1"/>
+          </a:solidFill>
+          <a:latin typeface="+mn-lt"/>
+          <a:ea typeface="+mn-ea"/>
+          <a:cs typeface="+mn-cs"/>
+        </a:defRPr>
+      </a:lvl6pPr>
+      <a:lvl7pPr marL="2971800" indent="-228600" algn="l" defTabSz="914400" rtl="0" eaLnBrk="1" latinLnBrk="0" hangingPunct="1">
+        <a:lnSpc>
+          <a:spcPct val="90000"/>
+        </a:lnSpc>
+        <a:spcBef>
+          <a:spcPts val="500"/>
+        </a:spcBef>
+        <a:buFont typeface="Arial" panose="020B0604020202020204" pitchFamily="34" charset="0"/>
+        <a:buChar char="•"/>
+        <a:defRPr sz="1800" kern="1200">
+          <a:solidFill>
+            <a:schemeClr val="tx1"/>
+          </a:solidFill>
+          <a:latin typeface="+mn-lt"/>
+          <a:ea typeface="+mn-ea"/>
+          <a:cs typeface="+mn-cs"/>
+        </a:defRPr>
+      </a:lvl7pPr>
+      <a:lvl8pPr marL="3429000" indent="-228600" algn="l" defTabSz="914400" rtl="0" eaLnBrk="1" latinLnBrk="0" hangingPunct="1">
+        <a:lnSpc>
+          <a:spcPct val="90000"/>
+        </a:lnSpc>
+        <a:spcBef>
+          <a:spcPts val="500"/>
+        </a:spcBef>
+        <a:buFont typeface="Arial" panose="020B0604020202020204" pitchFamily="34" charset="0"/>
+        <a:buChar char="•"/>
+        <a:defRPr sz="1800" kern="1200">
+          <a:solidFill>
+            <a:schemeClr val="tx1"/>
+          </a:solidFill>
+          <a:latin typeface="+mn-lt"/>
+          <a:ea typeface="+mn-ea"/>
+          <a:cs typeface="+mn-cs"/>
+        </a:defRPr>
+      </a:lvl8pPr>
+      <a:lvl9pPr marL="3886200" indent="-228600" algn="l" defTabSz="914400" rtl="0" eaLnBrk="1" latinLnBrk="0" hangingPunct="1">
+        <a:lnSpc>
+          <a:spcPct val="90000"/>
+        </a:lnSpc>
+        <a:spcBef>
+          <a:spcPts val="500"/>
+        </a:spcBef>
+        <a:buFont typeface="Arial" panose="020B0604020202020204" pitchFamily="34" charset="0"/>
+        <a:buChar char="•"/>
+        <a:defRPr sz="1800" kern="1200">
+          <a:solidFill>
+            <a:schemeClr val="tx1"/>
+          </a:solidFill>
+          <a:latin typeface="+mn-lt"/>
+          <a:ea typeface="+mn-ea"/>
+          <a:cs typeface="+mn-cs"/>
+        </a:defRPr>
+      </a:lvl9pPr>
+    </p:bodyStyle>
+    <p:otherStyle>
+      <a:defPPr>
+        <a:defRPr lang="en-US"/>
+      </a:defPPr>
+      <a:lvl1pPr marL="0" algn="l" defTabSz="914400" rtl="0" eaLnBrk="1" latinLnBrk="0" hangingPunct="1">
+        <a:defRPr sz="1800" kern="1200">
+          <a:solidFill>
+            <a:schemeClr val="tx1"/>
+          </a:solidFill>
+          <a:latin typeface="+mn-lt"/>
+          <a:ea typeface="+mn-ea"/>
+          <a:cs typeface="+mn-cs"/>
+        </a:defRPr>
+      </a:lvl1pPr>
+      <a:lvl2pPr marL="457200" algn="l" defTabSz="914400" rtl="0" eaLnBrk="1" latinLnBrk="0" hangingPunct="1">
+        <a:defRPr sz="1800" kern="1200">
+          <a:solidFill>
+            <a:schemeClr val="tx1"/>
+          </a:solidFill>
+          <a:latin typeface="+mn-lt"/>
+          <a:ea typeface="+mn-ea"/>
+          <a:cs typeface="+mn-cs"/>
+        </a:defRPr>
+      </a:lvl2pPr>
+      <a:lvl3pPr marL="914400" algn="l" defTabSz="914400" rtl="0" eaLnBrk="1" latinLnBrk="0" hangingPunct="1">
+        <a:defRPr sz="1800" kern="1200">
+          <a:solidFill>
+            <a:schemeClr val="tx1"/>
+          </a:solidFill>
+          <a:latin typeface="+mn-lt"/>
+          <a:ea typeface="+mn-ea"/>
+          <a:cs typeface="+mn-cs"/>
+        </a:defRPr>
+      </a:lvl3pPr>
+      <a:lvl4pPr marL="1371600" algn="l" defTabSz="914400" rtl="0" eaLnBrk="1" latinLnBrk="0" hangingPunct="1">
+        <a:defRPr sz="1800" kern="1200">
+          <a:solidFill>
+            <a:schemeClr val="tx1"/>
+          </a:solidFill>
+          <a:latin typeface="+mn-lt"/>
+          <a:ea typeface="+mn-ea"/>
+          <a:cs typeface="+mn-cs"/>
+        </a:defRPr>
+      </a:lvl4pPr>
+      <a:lvl5pPr marL="1828800" algn="l" defTabSz="914400" rtl="0" eaLnBrk="1" latinLnBrk="0" hangingPunct="1">
+        <a:defRPr sz="1800" kern="1200">
+          <a:solidFill>
+            <a:schemeClr val="tx1"/>
+          </a:solidFill>
+          <a:latin typeface="+mn-lt"/>
+          <a:ea typeface="+mn-ea"/>
+          <a:cs typeface="+mn-cs"/>
+        </a:defRPr>
+      </a:lvl5pPr>
+      <a:lvl6pPr marL="2286000" algn="l" defTabSz="914400" rtl="0" eaLnBrk="1" latinLnBrk="0" hangingPunct="1">
+        <a:defRPr sz="1800" kern="1200">
+          <a:solidFill>
+            <a:schemeClr val="tx1"/>
+          </a:solidFill>
+          <a:latin typeface="+mn-lt"/>
+          <a:ea typeface="+mn-ea"/>
+          <a:cs typeface="+mn-cs"/>
+        </a:defRPr>
+      </a:lvl6pPr>
+      <a:lvl7pPr marL="2743200" algn="l" defTabSz="914400" rtl="0" eaLnBrk="1" latinLnBrk="0" hangingPunct="1">
+        <a:defRPr sz="1800" kern="1200">
+          <a:solidFill>
+            <a:schemeClr val="tx1"/>
+          </a:solidFill>
+          <a:latin typeface="+mn-lt"/>
+          <a:ea typeface="+mn-ea"/>
+          <a:cs typeface="+mn-cs"/>
+        </a:defRPr>
+      </a:lvl7pPr>
+      <a:lvl8pPr marL="3200400" algn="l" defTabSz="914400" rtl="0" eaLnBrk="1" latinLnBrk="0" hangingPunct="1">
+        <a:defRPr sz="1800" kern="1200">
+          <a:solidFill>
+            <a:schemeClr val="tx1"/>
+          </a:solidFill>
+          <a:latin typeface="+mn-lt"/>
+          <a:ea typeface="+mn-ea"/>
+          <a:cs typeface="+mn-cs"/>
+        </a:defRPr>
+      </a:lvl8pPr>
+      <a:lvl9pPr marL="3657600" algn="l" defTabSz="914400" rtl="0" eaLnBrk="1" latinLnBrk="0" hangingPunct="1">
+        <a:defRPr sz="1800" kern="1200">
+          <a:solidFill>
+            <a:schemeClr val="tx1"/>
+          </a:solidFill>
+          <a:latin typeface="+mn-lt"/>
+          <a:ea typeface="+mn-ea"/>
+          <a:cs typeface="+mn-cs"/>
+        </a:defRPr>
+      </a:lvl9pPr>
+    </p:otherStyle>
+  </p:txStyles>
+</p:sldMaster>
+</file>
+
 <file path=ppt/slides/slide1.xml><?xml version="1.0" encoding="utf-8"?>
 <p:sld xmlns:a="http://schemas.openxmlformats.org/drawingml/2006/main" xmlns:r="http://schemas.openxmlformats.org/officeDocument/2006/relationships" xmlns:p="http://schemas.openxmlformats.org/presentationml/2006/main">
   <p:cSld>
@@ -9348,7 +12196,7 @@
             <a:spLocks noGrp="1"/>
           </p:cNvSpPr>
           <p:nvPr>
-            <p:ph type="body" sz="quarter" idx="10"/>
+            <p:ph type="subTitle" idx="1"/>
           </p:nvPr>
         </p:nvSpPr>
         <p:spPr/>
@@ -9491,7 +12339,7 @@
         </p:spPr>
         <p:txBody>
           <a:bodyPr>
-            <a:normAutofit fontScale="92500" lnSpcReduction="20000"/>
+            <a:normAutofit fontScale="85000" lnSpcReduction="10000"/>
           </a:bodyPr>
           <a:lstStyle/>
           <a:p>
@@ -10579,7 +13427,7 @@
         <p:spPr/>
         <p:txBody>
           <a:bodyPr>
-            <a:normAutofit/>
+            <a:normAutofit fontScale="92500" lnSpcReduction="20000"/>
           </a:bodyPr>
           <a:lstStyle/>
           <a:p>
@@ -13726,7 +16574,7 @@
         <p:spPr/>
         <p:txBody>
           <a:bodyPr>
-            <a:normAutofit/>
+            <a:normAutofit fontScale="92500" lnSpcReduction="10000"/>
           </a:bodyPr>
           <a:lstStyle/>
           <a:p>
@@ -13992,7 +16840,7 @@
           <a:graphicData uri="http://schemas.openxmlformats.org/presentationml/2006/ole">
             <mc:AlternateContent xmlns:mc="http://schemas.openxmlformats.org/markup-compatibility/2006">
               <mc:Choice xmlns:v="urn:schemas-microsoft-com:vml" Requires="v">
-                <p:oleObj spid="_x0000_s4100" name="Acrobat Document" r:id="rId3" imgW="5829054" imgH="7543800" progId="AcroExch.Document.11">
+                <p:oleObj spid="_x0000_s4101" name="Acrobat Document" r:id="rId3" imgW="5829054" imgH="7543800" progId="AcroExch.Document.11">
                   <p:embed/>
                 </p:oleObj>
               </mc:Choice>
@@ -14831,4 +17679,265 @@
   </a:objectDefaults>
   <a:extraClrSchemeLst/>
 </a:theme>
+</file>
+
+<file path=ppt/theme/theme4.xml><?xml version="1.0" encoding="utf-8"?>
+<a:theme xmlns:a="http://schemas.openxmlformats.org/drawingml/2006/main" name="Concurrency">
+  <a:themeElements>
+    <a:clrScheme name="Office">
+      <a:dk1>
+        <a:sysClr val="windowText" lastClr="000000"/>
+      </a:dk1>
+      <a:lt1>
+        <a:sysClr val="window" lastClr="FFFFFF"/>
+      </a:lt1>
+      <a:dk2>
+        <a:srgbClr val="44546A"/>
+      </a:dk2>
+      <a:lt2>
+        <a:srgbClr val="E7E6E6"/>
+      </a:lt2>
+      <a:accent1>
+        <a:srgbClr val="5B9BD5"/>
+      </a:accent1>
+      <a:accent2>
+        <a:srgbClr val="ED7D31"/>
+      </a:accent2>
+      <a:accent3>
+        <a:srgbClr val="A5A5A5"/>
+      </a:accent3>
+      <a:accent4>
+        <a:srgbClr val="FFC000"/>
+      </a:accent4>
+      <a:accent5>
+        <a:srgbClr val="4472C4"/>
+      </a:accent5>
+      <a:accent6>
+        <a:srgbClr val="70AD47"/>
+      </a:accent6>
+      <a:hlink>
+        <a:srgbClr val="0563C1"/>
+      </a:hlink>
+      <a:folHlink>
+        <a:srgbClr val="954F72"/>
+      </a:folHlink>
+    </a:clrScheme>
+    <a:fontScheme name="Office">
+      <a:majorFont>
+        <a:latin typeface="Calibri Light" panose="020F0302020204030204"/>
+        <a:ea typeface=""/>
+        <a:cs typeface=""/>
+        <a:font script="Jpan" typeface="ＭＳ Ｐゴシック"/>
+        <a:font script="Hang" typeface="맑은 고딕"/>
+        <a:font script="Hans" typeface="宋体"/>
+        <a:font script="Hant" typeface="新細明體"/>
+        <a:font script="Arab" typeface="Times New Roman"/>
+        <a:font script="Hebr" typeface="Times New Roman"/>
+        <a:font script="Thai" typeface="Angsana New"/>
+        <a:font script="Ethi" typeface="Nyala"/>
+        <a:font script="Beng" typeface="Vrinda"/>
+        <a:font script="Gujr" typeface="Shruti"/>
+        <a:font script="Khmr" typeface="MoolBoran"/>
+        <a:font script="Knda" typeface="Tunga"/>
+        <a:font script="Guru" typeface="Raavi"/>
+        <a:font script="Cans" typeface="Euphemia"/>
+        <a:font script="Cher" typeface="Plantagenet Cherokee"/>
+        <a:font script="Yiii" typeface="Microsoft Yi Baiti"/>
+        <a:font script="Tibt" typeface="Microsoft Himalaya"/>
+        <a:font script="Thaa" typeface="MV Boli"/>
+        <a:font script="Deva" typeface="Mangal"/>
+        <a:font script="Telu" typeface="Gautami"/>
+        <a:font script="Taml" typeface="Latha"/>
+        <a:font script="Syrc" typeface="Estrangelo Edessa"/>
+        <a:font script="Orya" typeface="Kalinga"/>
+        <a:font script="Mlym" typeface="Kartika"/>
+        <a:font script="Laoo" typeface="DokChampa"/>
+        <a:font script="Sinh" typeface="Iskoola Pota"/>
+        <a:font script="Mong" typeface="Mongolian Baiti"/>
+        <a:font script="Viet" typeface="Times New Roman"/>
+        <a:font script="Uigh" typeface="Microsoft Uighur"/>
+        <a:font script="Geor" typeface="Sylfaen"/>
+      </a:majorFont>
+      <a:minorFont>
+        <a:latin typeface="Calibri" panose="020F0502020204030204"/>
+        <a:ea typeface=""/>
+        <a:cs typeface=""/>
+        <a:font script="Jpan" typeface="ＭＳ Ｐゴシック"/>
+        <a:font script="Hang" typeface="맑은 고딕"/>
+        <a:font script="Hans" typeface="宋体"/>
+        <a:font script="Hant" typeface="新細明體"/>
+        <a:font script="Arab" typeface="Arial"/>
+        <a:font script="Hebr" typeface="Arial"/>
+        <a:font script="Thai" typeface="Cordia New"/>
+        <a:font script="Ethi" typeface="Nyala"/>
+        <a:font script="Beng" typeface="Vrinda"/>
+        <a:font script="Gujr" typeface="Shruti"/>
+        <a:font script="Khmr" typeface="DaunPenh"/>
+        <a:font script="Knda" typeface="Tunga"/>
+        <a:font script="Guru" typeface="Raavi"/>
+        <a:font script="Cans" typeface="Euphemia"/>
+        <a:font script="Cher" typeface="Plantagenet Cherokee"/>
+        <a:font script="Yiii" typeface="Microsoft Yi Baiti"/>
+        <a:font script="Tibt" typeface="Microsoft Himalaya"/>
+        <a:font script="Thaa" typeface="MV Boli"/>
+        <a:font script="Deva" typeface="Mangal"/>
+        <a:font script="Telu" typeface="Gautami"/>
+        <a:font script="Taml" typeface="Latha"/>
+        <a:font script="Syrc" typeface="Estrangelo Edessa"/>
+        <a:font script="Orya" typeface="Kalinga"/>
+        <a:font script="Mlym" typeface="Kartika"/>
+        <a:font script="Laoo" typeface="DokChampa"/>
+        <a:font script="Sinh" typeface="Iskoola Pota"/>
+        <a:font script="Mong" typeface="Mongolian Baiti"/>
+        <a:font script="Viet" typeface="Arial"/>
+        <a:font script="Uigh" typeface="Microsoft Uighur"/>
+        <a:font script="Geor" typeface="Sylfaen"/>
+      </a:minorFont>
+    </a:fontScheme>
+    <a:fmtScheme name="Office">
+      <a:fillStyleLst>
+        <a:solidFill>
+          <a:schemeClr val="phClr"/>
+        </a:solidFill>
+        <a:gradFill rotWithShape="1">
+          <a:gsLst>
+            <a:gs pos="0">
+              <a:schemeClr val="phClr">
+                <a:lumMod val="110000"/>
+                <a:satMod val="105000"/>
+                <a:tint val="67000"/>
+              </a:schemeClr>
+            </a:gs>
+            <a:gs pos="50000">
+              <a:schemeClr val="phClr">
+                <a:lumMod val="105000"/>
+                <a:satMod val="103000"/>
+                <a:tint val="73000"/>
+              </a:schemeClr>
+            </a:gs>
+            <a:gs pos="100000">
+              <a:schemeClr val="phClr">
+                <a:lumMod val="105000"/>
+                <a:satMod val="109000"/>
+                <a:tint val="81000"/>
+              </a:schemeClr>
+            </a:gs>
+          </a:gsLst>
+          <a:lin ang="5400000" scaled="0"/>
+        </a:gradFill>
+        <a:gradFill rotWithShape="1">
+          <a:gsLst>
+            <a:gs pos="0">
+              <a:schemeClr val="phClr">
+                <a:satMod val="103000"/>
+                <a:lumMod val="102000"/>
+                <a:tint val="94000"/>
+              </a:schemeClr>
+            </a:gs>
+            <a:gs pos="50000">
+              <a:schemeClr val="phClr">
+                <a:satMod val="110000"/>
+                <a:lumMod val="100000"/>
+                <a:shade val="100000"/>
+              </a:schemeClr>
+            </a:gs>
+            <a:gs pos="100000">
+              <a:schemeClr val="phClr">
+                <a:lumMod val="99000"/>
+                <a:satMod val="120000"/>
+                <a:shade val="78000"/>
+              </a:schemeClr>
+            </a:gs>
+          </a:gsLst>
+          <a:lin ang="5400000" scaled="0"/>
+        </a:gradFill>
+      </a:fillStyleLst>
+      <a:lnStyleLst>
+        <a:ln w="6350" cap="flat" cmpd="sng" algn="ctr">
+          <a:solidFill>
+            <a:schemeClr val="phClr"/>
+          </a:solidFill>
+          <a:prstDash val="solid"/>
+          <a:miter lim="800000"/>
+        </a:ln>
+        <a:ln w="12700" cap="flat" cmpd="sng" algn="ctr">
+          <a:solidFill>
+            <a:schemeClr val="phClr"/>
+          </a:solidFill>
+          <a:prstDash val="solid"/>
+          <a:miter lim="800000"/>
+        </a:ln>
+        <a:ln w="19050" cap="flat" cmpd="sng" algn="ctr">
+          <a:solidFill>
+            <a:schemeClr val="phClr"/>
+          </a:solidFill>
+          <a:prstDash val="solid"/>
+          <a:miter lim="800000"/>
+        </a:ln>
+      </a:lnStyleLst>
+      <a:effectStyleLst>
+        <a:effectStyle>
+          <a:effectLst/>
+        </a:effectStyle>
+        <a:effectStyle>
+          <a:effectLst/>
+        </a:effectStyle>
+        <a:effectStyle>
+          <a:effectLst>
+            <a:outerShdw blurRad="57150" dist="19050" dir="5400000" algn="ctr" rotWithShape="0">
+              <a:srgbClr val="000000">
+                <a:alpha val="63000"/>
+              </a:srgbClr>
+            </a:outerShdw>
+          </a:effectLst>
+        </a:effectStyle>
+      </a:effectStyleLst>
+      <a:bgFillStyleLst>
+        <a:solidFill>
+          <a:schemeClr val="phClr"/>
+        </a:solidFill>
+        <a:solidFill>
+          <a:schemeClr val="phClr">
+            <a:tint val="95000"/>
+            <a:satMod val="170000"/>
+          </a:schemeClr>
+        </a:solidFill>
+        <a:gradFill rotWithShape="1">
+          <a:gsLst>
+            <a:gs pos="0">
+              <a:schemeClr val="phClr">
+                <a:tint val="93000"/>
+                <a:satMod val="150000"/>
+                <a:shade val="98000"/>
+                <a:lumMod val="102000"/>
+              </a:schemeClr>
+            </a:gs>
+            <a:gs pos="50000">
+              <a:schemeClr val="phClr">
+                <a:tint val="98000"/>
+                <a:satMod val="130000"/>
+                <a:shade val="90000"/>
+                <a:lumMod val="103000"/>
+              </a:schemeClr>
+            </a:gs>
+            <a:gs pos="100000">
+              <a:schemeClr val="phClr">
+                <a:shade val="63000"/>
+                <a:satMod val="120000"/>
+              </a:schemeClr>
+            </a:gs>
+          </a:gsLst>
+          <a:lin ang="5400000" scaled="0"/>
+        </a:gradFill>
+      </a:bgFillStyleLst>
+    </a:fmtScheme>
+  </a:themeElements>
+  <a:objectDefaults/>
+  <a:extraClrSchemeLst/>
+  <a:extLst>
+    <a:ext uri="{05A4C25C-085E-4340-85A3-A5531E510DB2}">
+      <thm15:themeFamily xmlns:thm15="http://schemas.microsoft.com/office/thememl/2012/main" name="Office Theme" id="{62F939B6-93AF-4DB8-9C6B-D6C7DFDC589F}" vid="{4A3C46E8-61CC-4603-A589-7422A47A8E4A}"/>
+    </a:ext>
+  </a:extLst>
+</a:theme>
 </file>